--- a/presentations/2012-May WGM Tutorials/201205 WGM Building with FHIR.pptx
+++ b/presentations/2012-May WGM Tutorials/201205 WGM Building with FHIR.pptx
@@ -5,7 +5,7 @@
     <p:sldMasterId id="2147483744" r:id="rId2"/>
   </p:sldMasterIdLst>
   <p:notesMasterIdLst>
-    <p:notesMasterId r:id="rId37"/>
+    <p:notesMasterId r:id="rId43"/>
   </p:notesMasterIdLst>
   <p:sldIdLst>
     <p:sldId id="270" r:id="rId3"/>
@@ -19,29 +19,35 @@
     <p:sldId id="289" r:id="rId11"/>
     <p:sldId id="290" r:id="rId12"/>
     <p:sldId id="291" r:id="rId13"/>
-    <p:sldId id="304" r:id="rId14"/>
-    <p:sldId id="293" r:id="rId15"/>
-    <p:sldId id="294" r:id="rId16"/>
-    <p:sldId id="305" r:id="rId17"/>
-    <p:sldId id="306" r:id="rId18"/>
-    <p:sldId id="307" r:id="rId19"/>
-    <p:sldId id="308" r:id="rId20"/>
-    <p:sldId id="297" r:id="rId21"/>
-    <p:sldId id="298" r:id="rId22"/>
-    <p:sldId id="295" r:id="rId23"/>
-    <p:sldId id="296" r:id="rId24"/>
-    <p:sldId id="311" r:id="rId25"/>
-    <p:sldId id="309" r:id="rId26"/>
-    <p:sldId id="310" r:id="rId27"/>
-    <p:sldId id="312" r:id="rId28"/>
-    <p:sldId id="313" r:id="rId29"/>
-    <p:sldId id="314" r:id="rId30"/>
-    <p:sldId id="315" r:id="rId31"/>
-    <p:sldId id="299" r:id="rId32"/>
-    <p:sldId id="300" r:id="rId33"/>
-    <p:sldId id="303" r:id="rId34"/>
-    <p:sldId id="302" r:id="rId35"/>
-    <p:sldId id="301" r:id="rId36"/>
+    <p:sldId id="316" r:id="rId14"/>
+    <p:sldId id="317" r:id="rId15"/>
+    <p:sldId id="318" r:id="rId16"/>
+    <p:sldId id="320" r:id="rId17"/>
+    <p:sldId id="319" r:id="rId18"/>
+    <p:sldId id="293" r:id="rId19"/>
+    <p:sldId id="294" r:id="rId20"/>
+    <p:sldId id="305" r:id="rId21"/>
+    <p:sldId id="321" r:id="rId22"/>
+    <p:sldId id="306" r:id="rId23"/>
+    <p:sldId id="322" r:id="rId24"/>
+    <p:sldId id="324" r:id="rId25"/>
+    <p:sldId id="323" r:id="rId26"/>
+    <p:sldId id="307" r:id="rId27"/>
+    <p:sldId id="297" r:id="rId28"/>
+    <p:sldId id="295" r:id="rId29"/>
+    <p:sldId id="296" r:id="rId30"/>
+    <p:sldId id="311" r:id="rId31"/>
+    <p:sldId id="309" r:id="rId32"/>
+    <p:sldId id="310" r:id="rId33"/>
+    <p:sldId id="312" r:id="rId34"/>
+    <p:sldId id="313" r:id="rId35"/>
+    <p:sldId id="314" r:id="rId36"/>
+    <p:sldId id="325" r:id="rId37"/>
+    <p:sldId id="299" r:id="rId38"/>
+    <p:sldId id="300" r:id="rId39"/>
+    <p:sldId id="303" r:id="rId40"/>
+    <p:sldId id="302" r:id="rId41"/>
+    <p:sldId id="301" r:id="rId42"/>
   </p:sldIdLst>
   <p:sldSz cx="9144000" cy="6858000" type="screen4x3"/>
   <p:notesSz cx="6858000" cy="9144000"/>
@@ -241,7 +247,7 @@
             <a:fld id="{5FA7A704-9F1C-4FD3-85D1-57AF2D7FD0E8}" type="datetimeFigureOut">
               <a:rPr lang="en-US" smtClean="0"/>
               <a:pPr/>
-              <a:t>4/29/2012</a:t>
+              <a:t>4/30/2012</a:t>
             </a:fld>
             <a:endParaRPr lang="en-US" dirty="0"/>
           </a:p>
@@ -647,7 +653,7 @@
             <a:fld id="{D80A4771-C6EF-4B99-81F4-D30BE4E017A0}" type="datetimeFigureOut">
               <a:rPr lang="en-US" smtClean="0"/>
               <a:pPr/>
-              <a:t>4/29/2012</a:t>
+              <a:t>4/30/2012</a:t>
             </a:fld>
             <a:endParaRPr lang="en-US"/>
           </a:p>
@@ -962,7 +968,7 @@
             <a:fld id="{D80A4771-C6EF-4B99-81F4-D30BE4E017A0}" type="datetimeFigureOut">
               <a:rPr lang="en-US" smtClean="0"/>
               <a:pPr/>
-              <a:t>4/29/2012</a:t>
+              <a:t>4/30/2012</a:t>
             </a:fld>
             <a:endParaRPr lang="en-US"/>
           </a:p>
@@ -1149,7 +1155,7 @@
             <a:fld id="{D80A4771-C6EF-4B99-81F4-D30BE4E017A0}" type="datetimeFigureOut">
               <a:rPr lang="en-US" smtClean="0"/>
               <a:pPr/>
-              <a:t>4/29/2012</a:t>
+              <a:t>4/30/2012</a:t>
             </a:fld>
             <a:endParaRPr lang="en-US"/>
           </a:p>
@@ -1347,7 +1353,7 @@
             <a:fld id="{D80A4771-C6EF-4B99-81F4-D30BE4E017A0}" type="datetimeFigureOut">
               <a:rPr lang="en-US" smtClean="0"/>
               <a:pPr/>
-              <a:t>4/29/2012</a:t>
+              <a:t>4/30/2012</a:t>
             </a:fld>
             <a:endParaRPr lang="en-US"/>
           </a:p>
@@ -1627,7 +1633,7 @@
             <a:fld id="{D80A4771-C6EF-4B99-81F4-D30BE4E017A0}" type="datetimeFigureOut">
               <a:rPr lang="en-US" smtClean="0"/>
               <a:pPr/>
-              <a:t>4/29/2012</a:t>
+              <a:t>4/30/2012</a:t>
             </a:fld>
             <a:endParaRPr lang="en-US"/>
           </a:p>
@@ -2163,7 +2169,7 @@
             <a:fld id="{D80A4771-C6EF-4B99-81F4-D30BE4E017A0}" type="datetimeFigureOut">
               <a:rPr lang="en-US" smtClean="0"/>
               <a:pPr/>
-              <a:t>4/29/2012</a:t>
+              <a:t>4/30/2012</a:t>
             </a:fld>
             <a:endParaRPr lang="en-US"/>
           </a:p>
@@ -2802,7 +2808,7 @@
             <a:fld id="{D80A4771-C6EF-4B99-81F4-D30BE4E017A0}" type="datetimeFigureOut">
               <a:rPr lang="en-US" smtClean="0"/>
               <a:pPr/>
-              <a:t>4/29/2012</a:t>
+              <a:t>4/30/2012</a:t>
             </a:fld>
             <a:endParaRPr lang="en-US"/>
           </a:p>
@@ -2930,7 +2936,7 @@
             <a:fld id="{D80A4771-C6EF-4B99-81F4-D30BE4E017A0}" type="datetimeFigureOut">
               <a:rPr lang="en-US" smtClean="0"/>
               <a:pPr/>
-              <a:t>4/29/2012</a:t>
+              <a:t>4/30/2012</a:t>
             </a:fld>
             <a:endParaRPr lang="en-US"/>
           </a:p>
@@ -3076,7 +3082,7 @@
             <a:fld id="{D80A4771-C6EF-4B99-81F4-D30BE4E017A0}" type="datetimeFigureOut">
               <a:rPr lang="en-US" smtClean="0"/>
               <a:pPr/>
-              <a:t>4/29/2012</a:t>
+              <a:t>4/30/2012</a:t>
             </a:fld>
             <a:endParaRPr lang="en-US"/>
           </a:p>
@@ -3423,7 +3429,7 @@
             <a:fld id="{D80A4771-C6EF-4B99-81F4-D30BE4E017A0}" type="datetimeFigureOut">
               <a:rPr lang="en-US" smtClean="0"/>
               <a:pPr/>
-              <a:t>4/29/2012</a:t>
+              <a:t>4/30/2012</a:t>
             </a:fld>
             <a:endParaRPr lang="en-US"/>
           </a:p>
@@ -3521,7 +3527,7 @@
             <a:fld id="{D80A4771-C6EF-4B99-81F4-D30BE4E017A0}" type="datetimeFigureOut">
               <a:rPr lang="en-US" smtClean="0"/>
               <a:pPr/>
-              <a:t>4/29/2012</a:t>
+              <a:t>4/30/2012</a:t>
             </a:fld>
             <a:endParaRPr lang="en-US"/>
           </a:p>
@@ -3947,7 +3953,7 @@
             <a:fld id="{D80A4771-C6EF-4B99-81F4-D30BE4E017A0}" type="datetimeFigureOut">
               <a:rPr lang="en-US" smtClean="0"/>
               <a:pPr algn="r"/>
-              <a:t>4/29/2012</a:t>
+              <a:t>4/30/2012</a:t>
             </a:fld>
             <a:endParaRPr lang="en-US" sz="1200">
               <a:solidFill>
@@ -4614,10 +4620,6 @@
               <a:rPr lang="en-US" dirty="0" smtClean="0"/>
               <a:t>Building with</a:t>
             </a:r>
-            <a:r>
-              <a:rPr lang="en-US" dirty="0" smtClean="0"/>
-              <a:t/>
-            </a:r>
             <a:br>
               <a:rPr lang="en-US" dirty="0" smtClean="0"/>
             </a:br>
@@ -5001,78 +5003,145 @@
         <p:spPr/>
         <p:txBody>
           <a:bodyPr>
-            <a:normAutofit fontScale="92500"/>
+            <a:noAutofit/>
           </a:bodyPr>
           <a:lstStyle/>
           <a:p>
             <a:r>
-              <a:rPr lang="en-US" dirty="0" smtClean="0"/>
-              <a:t>There are 3 artifact files used to maintain a SAIF artifact definition</a:t>
-            </a:r>
+              <a:rPr lang="en-US" sz="2800" dirty="0" smtClean="0"/>
+              <a:t>4 </a:t>
+            </a:r>
+            <a:r>
+              <a:rPr lang="en-US" sz="2800" dirty="0" smtClean="0"/>
+              <a:t>artifact files used to maintain a </a:t>
+            </a:r>
+            <a:r>
+              <a:rPr lang="en-US" sz="2800" dirty="0" smtClean="0"/>
+              <a:t>Resource definition</a:t>
+            </a:r>
+            <a:endParaRPr lang="en-US" sz="2800" dirty="0" smtClean="0"/>
           </a:p>
           <a:p>
             <a:pPr lvl="1"/>
             <a:r>
-              <a:rPr lang="en-US" dirty="0" smtClean="0"/>
+              <a:rPr lang="en-US" sz="2400" dirty="0" smtClean="0"/>
               <a:t>[resourceName].xml</a:t>
             </a:r>
           </a:p>
           <a:p>
             <a:pPr lvl="2"/>
             <a:r>
-              <a:rPr lang="en-US" dirty="0" smtClean="0"/>
+              <a:rPr lang="en-US" sz="1800" dirty="0" smtClean="0"/>
               <a:t>Excel XML file defining each element in the resource</a:t>
             </a:r>
           </a:p>
           <a:p>
             <a:pPr lvl="1"/>
             <a:r>
-              <a:rPr lang="en-US" dirty="0" smtClean="0"/>
+              <a:rPr lang="en-US" sz="2400" dirty="0" smtClean="0"/>
               <a:t>[resourceName].htm</a:t>
             </a:r>
           </a:p>
           <a:p>
             <a:pPr lvl="2"/>
             <a:r>
-              <a:rPr lang="en-US" dirty="0" smtClean="0"/>
+              <a:rPr lang="en-US" sz="1800" dirty="0" smtClean="0"/>
               <a:t>Supplemental file defining guidance on use of resource (notes, search criteria, etc.)</a:t>
             </a:r>
           </a:p>
           <a:p>
             <a:pPr lvl="1"/>
             <a:r>
-              <a:rPr lang="en-US" dirty="0" smtClean="0"/>
+              <a:rPr lang="en-US" sz="2400" dirty="0" smtClean="0"/>
               <a:t>example.xml</a:t>
             </a:r>
           </a:p>
           <a:p>
             <a:pPr lvl="2"/>
             <a:r>
-              <a:rPr lang="en-US" dirty="0" smtClean="0"/>
-              <a:t>Instance example of the resource</a:t>
-            </a:r>
-          </a:p>
-          <a:p>
-            <a:r>
-              <a:rPr lang="en-US" dirty="0" smtClean="0"/>
-              <a:t>All files exist in:</a:t>
+              <a:rPr lang="en-US" sz="1800" dirty="0" smtClean="0"/>
+              <a:t>Instance example of the </a:t>
+            </a:r>
+            <a:r>
+              <a:rPr lang="en-US" sz="1800" dirty="0" smtClean="0"/>
+              <a:t>resource</a:t>
             </a:r>
           </a:p>
           <a:p>
             <a:pPr lvl="1"/>
             <a:r>
-              <a:rPr lang="en-CA" dirty="0">
+              <a:rPr lang="en-US" sz="2400" dirty="0" smtClean="0"/>
+              <a:t>UML Diagram</a:t>
+            </a:r>
+            <a:endParaRPr lang="en-US" sz="2400" dirty="0"/>
+          </a:p>
+          <a:p>
+            <a:pPr lvl="2"/>
+            <a:r>
+              <a:rPr lang="en-US" sz="1800" dirty="0" smtClean="0"/>
+              <a:t>EA (using </a:t>
+            </a:r>
+            <a:r>
+              <a:rPr lang="en-US" sz="1800" dirty="0" err="1" smtClean="0"/>
+              <a:t>svn</a:t>
+            </a:r>
+            <a:r>
+              <a:rPr lang="en-US" sz="1800" dirty="0" smtClean="0"/>
+              <a:t>) in package “[</a:t>
+            </a:r>
+            <a:r>
+              <a:rPr lang="en-US" sz="1800" dirty="0" err="1" smtClean="0"/>
+              <a:t>ResourceName</a:t>
+            </a:r>
+            <a:r>
+              <a:rPr lang="en-US" sz="1800" dirty="0" smtClean="0"/>
+              <a:t>]”, export to /images</a:t>
+            </a:r>
+          </a:p>
+          <a:p>
+            <a:r>
+              <a:rPr lang="en-US" sz="2800" dirty="0" smtClean="0"/>
+              <a:t>All </a:t>
+            </a:r>
+            <a:r>
+              <a:rPr lang="en-US" sz="2800" dirty="0" smtClean="0"/>
+              <a:t>files </a:t>
+            </a:r>
+            <a:r>
+              <a:rPr lang="en-US" sz="2800" dirty="0" smtClean="0"/>
+              <a:t>in </a:t>
+            </a:r>
+            <a:r>
+              <a:rPr lang="en-US" sz="2800" dirty="0" err="1" smtClean="0"/>
+              <a:t>svn</a:t>
+            </a:r>
+            <a:r>
+              <a:rPr lang="en-US" sz="2800" dirty="0" smtClean="0"/>
+              <a:t>:</a:t>
+            </a:r>
+            <a:r>
+              <a:rPr lang="en-US" sz="2800" dirty="0" smtClean="0"/>
+              <a:t> </a:t>
+            </a:r>
+            <a:r>
+              <a:rPr lang="en-CA" sz="1600" dirty="0" smtClean="0">
                 <a:hlinkClick r:id="rId2"/>
               </a:rPr>
-              <a:t>http://</a:t>
-            </a:r>
-            <a:r>
-              <a:rPr lang="en-CA" dirty="0" smtClean="0">
+              <a:t>http</a:t>
+            </a:r>
+            <a:r>
+              <a:rPr lang="en-CA" sz="1600" dirty="0">
+                <a:hlinkClick r:id="rId2"/>
+              </a:rPr>
+              <a:t>://</a:t>
+            </a:r>
+            <a:r>
+              <a:rPr lang="en-CA" sz="1600" dirty="0" smtClean="0">
                 <a:hlinkClick r:id="rId2"/>
               </a:rPr>
               <a:t>gforge.hl7.org/svn/fhir/trunk/source/[resourceName]</a:t>
             </a:r>
-            <a:endParaRPr lang="en-CA" dirty="0" smtClean="0"/>
+            <a:endParaRPr lang="en-CA" sz="2000" dirty="0" smtClean="0"/>
           </a:p>
         </p:txBody>
       </p:sp>
@@ -5118,58 +5187,129 @@
         </p:nvSpPr>
         <p:spPr/>
         <p:txBody>
-          <a:bodyPr>
-            <a:normAutofit/>
+          <a:bodyPr/>
+          <a:lstStyle/>
+          <a:p>
+            <a:r>
+              <a:rPr lang="en-AU" dirty="0" smtClean="0"/>
+              <a:t>Master Definition: </a:t>
+            </a:r>
+            <a:r>
+              <a:rPr lang="en-AU" dirty="0" err="1" smtClean="0"/>
+              <a:t>Spreadsheet</a:t>
+            </a:r>
+            <a:endParaRPr lang="en-AU" dirty="0"/>
+          </a:p>
+        </p:txBody>
+      </p:sp>
+      <p:pic>
+        <p:nvPicPr>
+          <p:cNvPr id="1026" name="Picture 2"/>
+          <p:cNvPicPr>
+            <a:picLocks noGrp="1" noChangeAspect="1" noChangeArrowheads="1"/>
+          </p:cNvPicPr>
+          <p:nvPr>
+            <p:ph idx="1"/>
+          </p:nvPr>
+        </p:nvPicPr>
+        <p:blipFill>
+          <a:blip r:embed="rId2">
+            <a:extLst>
+              <a:ext uri="{28A0092B-C50C-407E-A947-70E740481C1C}">
+                <a14:useLocalDpi xmlns:a14="http://schemas.microsoft.com/office/drawing/2010/main" val="0"/>
+              </a:ext>
+            </a:extLst>
+          </a:blip>
+          <a:srcRect/>
+          <a:stretch>
+            <a:fillRect/>
+          </a:stretch>
+        </p:blipFill>
+        <p:spPr bwMode="auto">
+          <a:xfrm>
+            <a:off x="1187624" y="1484784"/>
+            <a:ext cx="7854751" cy="4680520"/>
+          </a:xfrm>
+          <a:prstGeom prst="rect">
+            <a:avLst/>
+          </a:prstGeom>
+          <a:noFill/>
+          <a:ln>
+            <a:noFill/>
+          </a:ln>
+          <a:effectLst/>
+          <a:extLst>
+            <a:ext uri="{909E8E84-426E-40DD-AFC4-6F175D3DCCD1}">
+              <a14:hiddenFill xmlns:a14="http://schemas.microsoft.com/office/drawing/2010/main">
+                <a:solidFill>
+                  <a:schemeClr val="accent1"/>
+                </a:solidFill>
+              </a14:hiddenFill>
+            </a:ext>
+            <a:ext uri="{91240B29-F687-4F45-9708-019B960494DF}">
+              <a14:hiddenLine xmlns:a14="http://schemas.microsoft.com/office/drawing/2010/main" w="9525">
+                <a:solidFill>
+                  <a:schemeClr val="tx1"/>
+                </a:solidFill>
+                <a:miter lim="800000"/>
+                <a:headEnd/>
+                <a:tailEnd/>
+              </a14:hiddenLine>
+            </a:ext>
+            <a:ext uri="{AF507438-7753-43E0-B8FC-AC1667EBCBE1}">
+              <a14:hiddenEffects xmlns:a14="http://schemas.microsoft.com/office/drawing/2010/main">
+                <a:effectLst>
+                  <a:outerShdw dist="35921" dir="2700000" algn="ctr" rotWithShape="0">
+                    <a:schemeClr val="bg2"/>
+                  </a:outerShdw>
+                </a:effectLst>
+              </a14:hiddenEffects>
+            </a:ext>
+          </a:extLst>
+        </p:spPr>
+      </p:pic>
+      <p:sp>
+        <p:nvSpPr>
+          <p:cNvPr id="4" name="TextBox 3"/>
+          <p:cNvSpPr txBox="1"/>
+          <p:nvPr/>
+        </p:nvSpPr>
+        <p:spPr>
+          <a:xfrm>
+            <a:off x="1299244" y="6392422"/>
+            <a:ext cx="3886385" cy="369332"/>
+          </a:xfrm>
+          <a:prstGeom prst="rect">
+            <a:avLst/>
+          </a:prstGeom>
+          <a:noFill/>
+        </p:spPr>
+        <p:txBody>
+          <a:bodyPr wrap="none" rtlCol="0">
+            <a:spAutoFit/>
           </a:bodyPr>
           <a:lstStyle/>
           <a:p>
-            <a:endParaRPr lang="en-CA" dirty="0"/>
-          </a:p>
-        </p:txBody>
-      </p:sp>
-      <p:sp>
-        <p:nvSpPr>
-          <p:cNvPr id="3" name="Content Placeholder 2"/>
-          <p:cNvSpPr>
-            <a:spLocks noGrp="1"/>
-          </p:cNvSpPr>
-          <p:nvPr>
-            <p:ph idx="1"/>
-          </p:nvPr>
-        </p:nvSpPr>
-        <p:spPr/>
-        <p:txBody>
-          <a:bodyPr/>
-          <a:lstStyle/>
-          <a:p>
-            <a:r>
-              <a:rPr lang="en-US" dirty="0" err="1" smtClean="0">
-                <a:solidFill>
-                  <a:srgbClr val="FF3300"/>
-                </a:solidFill>
-              </a:rPr>
-              <a:t>Todo</a:t>
-            </a:r>
-            <a:r>
-              <a:rPr lang="en-US" dirty="0" smtClean="0">
-                <a:solidFill>
-                  <a:srgbClr val="FF3300"/>
-                </a:solidFill>
-              </a:rPr>
-              <a:t>: Insert screen shots of each source file</a:t>
-            </a:r>
-            <a:endParaRPr lang="en-CA" dirty="0">
-              <a:solidFill>
-                <a:srgbClr val="FF3300"/>
-              </a:solidFill>
-            </a:endParaRPr>
+            <a:r>
+              <a:rPr lang="en-AU" dirty="0" smtClean="0"/>
+              <a:t>Stored as a </a:t>
+            </a:r>
+            <a:r>
+              <a:rPr lang="en-AU" dirty="0" err="1" smtClean="0"/>
+              <a:t>Spreadsheet</a:t>
+            </a:r>
+            <a:r>
+              <a:rPr lang="en-AU" dirty="0" smtClean="0"/>
+              <a:t> XML file (.xml)</a:t>
+            </a:r>
+            <a:endParaRPr lang="en-AU" dirty="0"/>
           </a:p>
         </p:txBody>
       </p:sp>
     </p:spTree>
     <p:extLst>
       <p:ext uri="{BB962C8B-B14F-4D97-AF65-F5344CB8AC3E}">
-        <p14:creationId xmlns:p14="http://schemas.microsoft.com/office/powerpoint/2010/main" val="3582903916"/>
+        <p14:creationId xmlns:p14="http://schemas.microsoft.com/office/powerpoint/2010/main" val="2859645399"/>
       </p:ext>
     </p:extLst>
   </p:cSld>
@@ -5198,7 +5338,7 @@
       </p:grpSpPr>
       <p:sp>
         <p:nvSpPr>
-          <p:cNvPr id="7" name="Title 6"/>
+          <p:cNvPr id="2" name="Title 1"/>
           <p:cNvSpPr>
             <a:spLocks noGrp="1"/>
           </p:cNvSpPr>
@@ -5212,17 +5352,83 @@
           <a:lstStyle/>
           <a:p>
             <a:r>
-              <a:rPr lang="en-US" dirty="0" smtClean="0"/>
-              <a:t>Development Process</a:t>
-            </a:r>
-            <a:endParaRPr lang="en-CA" dirty="0"/>
-          </a:p>
-        </p:txBody>
-      </p:sp>
+              <a:rPr lang="en-AU" dirty="0" smtClean="0"/>
+              <a:t>Additional Notes</a:t>
+            </a:r>
+            <a:endParaRPr lang="en-AU" dirty="0"/>
+          </a:p>
+        </p:txBody>
+      </p:sp>
+      <p:pic>
+        <p:nvPicPr>
+          <p:cNvPr id="2050" name="Picture 2"/>
+          <p:cNvPicPr>
+            <a:picLocks noGrp="1" noChangeAspect="1" noChangeArrowheads="1"/>
+          </p:cNvPicPr>
+          <p:nvPr>
+            <p:ph idx="1"/>
+          </p:nvPr>
+        </p:nvPicPr>
+        <p:blipFill>
+          <a:blip r:embed="rId2">
+            <a:extLst>
+              <a:ext uri="{28A0092B-C50C-407E-A947-70E740481C1C}">
+                <a14:useLocalDpi xmlns:a14="http://schemas.microsoft.com/office/drawing/2010/main" val="0"/>
+              </a:ext>
+            </a:extLst>
+          </a:blip>
+          <a:srcRect/>
+          <a:stretch>
+            <a:fillRect/>
+          </a:stretch>
+        </p:blipFill>
+        <p:spPr bwMode="auto">
+          <a:xfrm>
+            <a:off x="1115615" y="1124744"/>
+            <a:ext cx="7828927" cy="5400600"/>
+          </a:xfrm>
+          <a:prstGeom prst="rect">
+            <a:avLst/>
+          </a:prstGeom>
+          <a:noFill/>
+          <a:ln>
+            <a:noFill/>
+          </a:ln>
+          <a:effectLst/>
+          <a:extLst>
+            <a:ext uri="{909E8E84-426E-40DD-AFC4-6F175D3DCCD1}">
+              <a14:hiddenFill xmlns:a14="http://schemas.microsoft.com/office/drawing/2010/main">
+                <a:solidFill>
+                  <a:schemeClr val="accent1"/>
+                </a:solidFill>
+              </a14:hiddenFill>
+            </a:ext>
+            <a:ext uri="{91240B29-F687-4F45-9708-019B960494DF}">
+              <a14:hiddenLine xmlns:a14="http://schemas.microsoft.com/office/drawing/2010/main" w="9525">
+                <a:solidFill>
+                  <a:schemeClr val="tx1"/>
+                </a:solidFill>
+                <a:miter lim="800000"/>
+                <a:headEnd/>
+                <a:tailEnd/>
+              </a14:hiddenLine>
+            </a:ext>
+            <a:ext uri="{AF507438-7753-43E0-B8FC-AC1667EBCBE1}">
+              <a14:hiddenEffects xmlns:a14="http://schemas.microsoft.com/office/drawing/2010/main">
+                <a:effectLst>
+                  <a:outerShdw dist="35921" dir="2700000" algn="ctr" rotWithShape="0">
+                    <a:schemeClr val="bg2"/>
+                  </a:outerShdw>
+                </a:effectLst>
+              </a14:hiddenEffects>
+            </a:ext>
+          </a:extLst>
+        </p:spPr>
+      </p:pic>
     </p:spTree>
     <p:extLst>
       <p:ext uri="{BB962C8B-B14F-4D97-AF65-F5344CB8AC3E}">
-        <p14:creationId xmlns:p14="http://schemas.microsoft.com/office/powerpoint/2010/main" val="632737396"/>
+        <p14:creationId xmlns:p14="http://schemas.microsoft.com/office/powerpoint/2010/main" val="1324021597"/>
       </p:ext>
     </p:extLst>
   </p:cSld>
@@ -5261,96 +5467,87 @@
         </p:nvSpPr>
         <p:spPr/>
         <p:txBody>
-          <a:bodyPr>
-            <a:normAutofit fontScale="90000"/>
-          </a:bodyPr>
-          <a:lstStyle/>
-          <a:p>
-            <a:r>
-              <a:rPr lang="en-US" dirty="0" smtClean="0"/>
-              <a:t>Process for creating resources</a:t>
-            </a:r>
-            <a:endParaRPr lang="en-CA" dirty="0"/>
-          </a:p>
-        </p:txBody>
-      </p:sp>
-      <p:sp>
-        <p:nvSpPr>
-          <p:cNvPr id="3" name="Content Placeholder 2"/>
-          <p:cNvSpPr>
-            <a:spLocks noGrp="1"/>
-          </p:cNvSpPr>
-          <p:nvPr>
-            <p:ph idx="1"/>
-          </p:nvPr>
-        </p:nvSpPr>
-        <p:spPr/>
-        <p:txBody>
           <a:bodyPr/>
           <a:lstStyle/>
           <a:p>
-            <a:pPr marL="596646" indent="-514350">
-              <a:buFont typeface="+mj-lt"/>
-              <a:buAutoNum type="arabicPeriod"/>
-            </a:pPr>
-            <a:r>
-              <a:rPr lang="en-US" dirty="0" smtClean="0"/>
-              <a:t>Define the “scope” for your proposed resource</a:t>
-            </a:r>
-          </a:p>
-          <a:p>
-            <a:pPr marL="596646" indent="-514350">
-              <a:buFont typeface="+mj-lt"/>
-              <a:buAutoNum type="arabicPeriod"/>
-            </a:pPr>
-            <a:r>
-              <a:rPr lang="en-US" dirty="0" smtClean="0"/>
-              <a:t>Request a resource name</a:t>
-            </a:r>
-          </a:p>
-          <a:p>
-            <a:pPr marL="870966" lvl="1" indent="-514350"/>
-            <a:r>
-              <a:rPr lang="en-US" dirty="0" smtClean="0"/>
-              <a:t>And permission to create that resource</a:t>
-            </a:r>
-          </a:p>
-          <a:p>
-            <a:pPr marL="596646" indent="-514350">
-              <a:buFont typeface="+mj-lt"/>
-              <a:buAutoNum type="arabicPeriod"/>
-            </a:pPr>
-            <a:r>
-              <a:rPr lang="en-US" dirty="0" smtClean="0"/>
-              <a:t>Create and edit resource content</a:t>
-            </a:r>
-          </a:p>
-          <a:p>
-            <a:pPr marL="596646" indent="-514350">
-              <a:buFont typeface="+mj-lt"/>
-              <a:buAutoNum type="arabicPeriod"/>
-            </a:pPr>
-            <a:r>
-              <a:rPr lang="en-US" dirty="0" smtClean="0"/>
-              <a:t>Publish resource</a:t>
-            </a:r>
-          </a:p>
-          <a:p>
-            <a:pPr marL="596646" indent="-514350">
-              <a:buFont typeface="+mj-lt"/>
-              <a:buAutoNum type="arabicPeriod"/>
-            </a:pPr>
-            <a:r>
-              <a:rPr lang="en-US" dirty="0" smtClean="0"/>
-              <a:t>Iterate</a:t>
-            </a:r>
-          </a:p>
-        </p:txBody>
-      </p:sp>
+            <a:r>
+              <a:rPr lang="en-AU" dirty="0" smtClean="0"/>
+              <a:t>Example</a:t>
+            </a:r>
+            <a:endParaRPr lang="en-AU" dirty="0"/>
+          </a:p>
+        </p:txBody>
+      </p:sp>
+      <p:pic>
+        <p:nvPicPr>
+          <p:cNvPr id="3075" name="Picture 3"/>
+          <p:cNvPicPr>
+            <a:picLocks noGrp="1" noChangeAspect="1" noChangeArrowheads="1"/>
+          </p:cNvPicPr>
+          <p:nvPr>
+            <p:ph idx="1"/>
+          </p:nvPr>
+        </p:nvPicPr>
+        <p:blipFill>
+          <a:blip r:embed="rId2">
+            <a:extLst>
+              <a:ext uri="{28A0092B-C50C-407E-A947-70E740481C1C}">
+                <a14:useLocalDpi xmlns:a14="http://schemas.microsoft.com/office/drawing/2010/main" val="0"/>
+              </a:ext>
+            </a:extLst>
+          </a:blip>
+          <a:srcRect/>
+          <a:stretch>
+            <a:fillRect/>
+          </a:stretch>
+        </p:blipFill>
+        <p:spPr bwMode="auto">
+          <a:xfrm>
+            <a:off x="1331640" y="1052736"/>
+            <a:ext cx="6984776" cy="5644583"/>
+          </a:xfrm>
+          <a:prstGeom prst="rect">
+            <a:avLst/>
+          </a:prstGeom>
+          <a:noFill/>
+          <a:ln>
+            <a:noFill/>
+          </a:ln>
+          <a:effectLst/>
+          <a:extLst>
+            <a:ext uri="{909E8E84-426E-40DD-AFC4-6F175D3DCCD1}">
+              <a14:hiddenFill xmlns:a14="http://schemas.microsoft.com/office/drawing/2010/main">
+                <a:solidFill>
+                  <a:schemeClr val="accent1"/>
+                </a:solidFill>
+              </a14:hiddenFill>
+            </a:ext>
+            <a:ext uri="{91240B29-F687-4F45-9708-019B960494DF}">
+              <a14:hiddenLine xmlns:a14="http://schemas.microsoft.com/office/drawing/2010/main" w="9525">
+                <a:solidFill>
+                  <a:schemeClr val="tx1"/>
+                </a:solidFill>
+                <a:miter lim="800000"/>
+                <a:headEnd/>
+                <a:tailEnd/>
+              </a14:hiddenLine>
+            </a:ext>
+            <a:ext uri="{AF507438-7753-43E0-B8FC-AC1667EBCBE1}">
+              <a14:hiddenEffects xmlns:a14="http://schemas.microsoft.com/office/drawing/2010/main">
+                <a:effectLst>
+                  <a:outerShdw dist="35921" dir="2700000" algn="ctr" rotWithShape="0">
+                    <a:schemeClr val="bg2"/>
+                  </a:outerShdw>
+                </a:effectLst>
+              </a14:hiddenEffects>
+            </a:ext>
+          </a:extLst>
+        </p:spPr>
+      </p:pic>
     </p:spTree>
     <p:extLst>
       <p:ext uri="{BB962C8B-B14F-4D97-AF65-F5344CB8AC3E}">
-        <p14:creationId xmlns:p14="http://schemas.microsoft.com/office/powerpoint/2010/main" val="3047101804"/>
+        <p14:creationId xmlns:p14="http://schemas.microsoft.com/office/powerpoint/2010/main" val="3375320358"/>
       </p:ext>
     </p:extLst>
   </p:cSld>
@@ -5393,48 +5590,83 @@
           <a:lstStyle/>
           <a:p>
             <a:r>
-              <a:rPr lang="en-US" dirty="0" smtClean="0"/>
-              <a:t>Resource Scope</a:t>
-            </a:r>
-            <a:endParaRPr lang="en-CA" dirty="0"/>
-          </a:p>
-        </p:txBody>
-      </p:sp>
-      <p:sp>
-        <p:nvSpPr>
-          <p:cNvPr id="3" name="Content Placeholder 2"/>
-          <p:cNvSpPr>
-            <a:spLocks noGrp="1"/>
-          </p:cNvSpPr>
+              <a:rPr lang="en-AU" dirty="0" smtClean="0"/>
+              <a:t>UML Diagram</a:t>
+            </a:r>
+            <a:endParaRPr lang="en-AU" dirty="0"/>
+          </a:p>
+        </p:txBody>
+      </p:sp>
+      <p:pic>
+        <p:nvPicPr>
+          <p:cNvPr id="4098" name="Picture 2"/>
+          <p:cNvPicPr>
+            <a:picLocks noGrp="1" noChangeAspect="1" noChangeArrowheads="1"/>
+          </p:cNvPicPr>
           <p:nvPr>
             <p:ph idx="1"/>
           </p:nvPr>
-        </p:nvSpPr>
-        <p:spPr/>
-        <p:txBody>
-          <a:bodyPr/>
-          <a:lstStyle/>
-          <a:p>
-            <a:r>
-              <a:rPr lang="en-US" dirty="0" err="1" smtClean="0">
+        </p:nvPicPr>
+        <p:blipFill>
+          <a:blip r:embed="rId2">
+            <a:extLst>
+              <a:ext uri="{28A0092B-C50C-407E-A947-70E740481C1C}">
+                <a14:useLocalDpi xmlns:a14="http://schemas.microsoft.com/office/drawing/2010/main" val="0"/>
+              </a:ext>
+            </a:extLst>
+          </a:blip>
+          <a:srcRect/>
+          <a:stretch>
+            <a:fillRect/>
+          </a:stretch>
+        </p:blipFill>
+        <p:spPr bwMode="auto">
+          <a:xfrm>
+            <a:off x="1259632" y="1124744"/>
+            <a:ext cx="7360105" cy="5256213"/>
+          </a:xfrm>
+          <a:prstGeom prst="rect">
+            <a:avLst/>
+          </a:prstGeom>
+          <a:noFill/>
+          <a:ln>
+            <a:noFill/>
+          </a:ln>
+          <a:effectLst/>
+          <a:extLst>
+            <a:ext uri="{909E8E84-426E-40DD-AFC4-6F175D3DCCD1}">
+              <a14:hiddenFill xmlns:a14="http://schemas.microsoft.com/office/drawing/2010/main">
                 <a:solidFill>
-                  <a:srgbClr val="FF3300"/>
+                  <a:schemeClr val="accent1"/>
                 </a:solidFill>
-              </a:rPr>
-              <a:t>Todo</a:t>
-            </a:r>
-            <a:endParaRPr lang="en-CA" dirty="0">
-              <a:solidFill>
-                <a:srgbClr val="FF3300"/>
-              </a:solidFill>
-            </a:endParaRPr>
-          </a:p>
-        </p:txBody>
-      </p:sp>
+              </a14:hiddenFill>
+            </a:ext>
+            <a:ext uri="{91240B29-F687-4F45-9708-019B960494DF}">
+              <a14:hiddenLine xmlns:a14="http://schemas.microsoft.com/office/drawing/2010/main" w="9525">
+                <a:solidFill>
+                  <a:schemeClr val="tx1"/>
+                </a:solidFill>
+                <a:miter lim="800000"/>
+                <a:headEnd/>
+                <a:tailEnd/>
+              </a14:hiddenLine>
+            </a:ext>
+            <a:ext uri="{AF507438-7753-43E0-B8FC-AC1667EBCBE1}">
+              <a14:hiddenEffects xmlns:a14="http://schemas.microsoft.com/office/drawing/2010/main">
+                <a:effectLst>
+                  <a:outerShdw dist="35921" dir="2700000" algn="ctr" rotWithShape="0">
+                    <a:schemeClr val="bg2"/>
+                  </a:outerShdw>
+                </a:effectLst>
+              </a14:hiddenEffects>
+            </a:ext>
+          </a:extLst>
+        </p:spPr>
+      </p:pic>
     </p:spTree>
     <p:extLst>
       <p:ext uri="{BB962C8B-B14F-4D97-AF65-F5344CB8AC3E}">
-        <p14:creationId xmlns:p14="http://schemas.microsoft.com/office/powerpoint/2010/main" val="3751498326"/>
+        <p14:creationId xmlns:p14="http://schemas.microsoft.com/office/powerpoint/2010/main" val="3656744513"/>
       </p:ext>
     </p:extLst>
   </p:cSld>
@@ -5477,10 +5709,10 @@
           <a:lstStyle/>
           <a:p>
             <a:r>
-              <a:rPr lang="en-US" dirty="0" smtClean="0"/>
-              <a:t>Requesting a name</a:t>
-            </a:r>
-            <a:endParaRPr lang="en-CA" dirty="0"/>
+              <a:rPr lang="en-AU" dirty="0" smtClean="0"/>
+              <a:t>Resource Definitions</a:t>
+            </a:r>
+            <a:endParaRPr lang="en-AU" dirty="0"/>
           </a:p>
         </p:txBody>
       </p:sp>
@@ -5500,25 +5732,87 @@
           <a:lstStyle/>
           <a:p>
             <a:r>
-              <a:rPr lang="en-US" dirty="0" err="1" smtClean="0">
-                <a:solidFill>
-                  <a:srgbClr val="FF3300"/>
-                </a:solidFill>
-              </a:rPr>
-              <a:t>Todo</a:t>
-            </a:r>
-            <a:endParaRPr lang="en-CA" dirty="0">
-              <a:solidFill>
-                <a:srgbClr val="FF3300"/>
-              </a:solidFill>
-            </a:endParaRPr>
+              <a:rPr lang="en-AU" dirty="0" smtClean="0"/>
+              <a:t>The Canonical definition is the object model created by parsing the </a:t>
+            </a:r>
+            <a:r>
+              <a:rPr lang="en-AU" dirty="0" err="1" smtClean="0"/>
+              <a:t>artifacts</a:t>
+            </a:r>
+            <a:endParaRPr lang="en-AU" dirty="0" smtClean="0"/>
+          </a:p>
+          <a:p>
+            <a:endParaRPr lang="en-AU" dirty="0" smtClean="0"/>
+          </a:p>
+          <a:p>
+            <a:r>
+              <a:rPr lang="en-AU" dirty="0" smtClean="0"/>
+              <a:t>The </a:t>
+            </a:r>
+            <a:r>
+              <a:rPr lang="en-AU" dirty="0" err="1" smtClean="0"/>
+              <a:t>artifacts</a:t>
+            </a:r>
+            <a:r>
+              <a:rPr lang="en-AU" dirty="0" smtClean="0"/>
+              <a:t> are a convenient low-tooling </a:t>
+            </a:r>
+            <a:r>
+              <a:rPr lang="en-AU" dirty="0" err="1" smtClean="0"/>
+              <a:t>svn</a:t>
+            </a:r>
+            <a:r>
+              <a:rPr lang="en-AU" dirty="0" smtClean="0"/>
+              <a:t>-friendly way to maintain the definitions</a:t>
+            </a:r>
+          </a:p>
+          <a:p>
+            <a:endParaRPr lang="en-AU" dirty="0" smtClean="0"/>
+          </a:p>
+          <a:p>
+            <a:r>
+              <a:rPr lang="en-AU" dirty="0" smtClean="0"/>
+              <a:t>Other formats could be introduced. Rules:</a:t>
+            </a:r>
+          </a:p>
+          <a:p>
+            <a:pPr lvl="1"/>
+            <a:r>
+              <a:rPr lang="en-AU" dirty="0" smtClean="0"/>
+              <a:t>Low $$ tooling requirements</a:t>
+            </a:r>
+          </a:p>
+          <a:p>
+            <a:pPr lvl="1"/>
+            <a:r>
+              <a:rPr lang="en-AU" dirty="0" smtClean="0"/>
+              <a:t>Subversion friendly</a:t>
+            </a:r>
+          </a:p>
+          <a:p>
+            <a:pPr lvl="1"/>
+            <a:r>
+              <a:rPr lang="en-AU" dirty="0" smtClean="0"/>
+              <a:t>Easy-</a:t>
+            </a:r>
+            <a:r>
+              <a:rPr lang="en-AU" dirty="0" err="1" smtClean="0"/>
+              <a:t>ish</a:t>
+            </a:r>
+            <a:r>
+              <a:rPr lang="en-AU" dirty="0" smtClean="0"/>
+              <a:t> to parse content in java code</a:t>
+            </a:r>
+          </a:p>
+          <a:p>
+            <a:endParaRPr lang="en-AU" dirty="0"/>
           </a:p>
         </p:txBody>
       </p:sp>
     </p:spTree>
     <p:extLst>
       <p:ext uri="{BB962C8B-B14F-4D97-AF65-F5344CB8AC3E}">
-        <p14:creationId xmlns:p14="http://schemas.microsoft.com/office/powerpoint/2010/main" val="1744024465"/>
+        <p14:creationId xmlns:p14="http://schemas.microsoft.com/office/powerpoint/2010/main" val="1101646635"/>
       </p:ext>
     </p:extLst>
   </p:cSld>
@@ -5547,7 +5841,7 @@
       </p:grpSpPr>
       <p:sp>
         <p:nvSpPr>
-          <p:cNvPr id="2" name="Title 1"/>
+          <p:cNvPr id="7" name="Title 6"/>
           <p:cNvSpPr>
             <a:spLocks noGrp="1"/>
           </p:cNvSpPr>
@@ -5562,62 +5856,16 @@
           <a:p>
             <a:r>
               <a:rPr lang="en-US" dirty="0" smtClean="0"/>
-              <a:t>Creating and editing content</a:t>
+              <a:t>Development Process</a:t>
             </a:r>
             <a:endParaRPr lang="en-CA" dirty="0"/>
-          </a:p>
-        </p:txBody>
-      </p:sp>
-      <p:sp>
-        <p:nvSpPr>
-          <p:cNvPr id="3" name="Content Placeholder 2"/>
-          <p:cNvSpPr>
-            <a:spLocks noGrp="1"/>
-          </p:cNvSpPr>
-          <p:nvPr>
-            <p:ph idx="1"/>
-          </p:nvPr>
-        </p:nvSpPr>
-        <p:spPr/>
-        <p:txBody>
-          <a:bodyPr/>
-          <a:lstStyle/>
-          <a:p>
-            <a:r>
-              <a:rPr lang="en-US" dirty="0" err="1" smtClean="0">
-                <a:solidFill>
-                  <a:srgbClr val="FF3300"/>
-                </a:solidFill>
-              </a:rPr>
-              <a:t>Todo</a:t>
-            </a:r>
-            <a:endParaRPr lang="en-US" dirty="0" smtClean="0">
-              <a:solidFill>
-                <a:srgbClr val="FF3300"/>
-              </a:solidFill>
-            </a:endParaRPr>
-          </a:p>
-          <a:p>
-            <a:r>
-              <a:rPr lang="en-US" dirty="0" smtClean="0">
-                <a:solidFill>
-                  <a:srgbClr val="FF3300"/>
-                </a:solidFill>
-              </a:rPr>
-              <a:t>(Talk about use of SVN, merging, etc., appropriate tools &amp; versions)</a:t>
-            </a:r>
-            <a:endParaRPr lang="en-CA" dirty="0">
-              <a:solidFill>
-                <a:srgbClr val="FF3300"/>
-              </a:solidFill>
-            </a:endParaRPr>
           </a:p>
         </p:txBody>
       </p:sp>
     </p:spTree>
     <p:extLst>
       <p:ext uri="{BB962C8B-B14F-4D97-AF65-F5344CB8AC3E}">
-        <p14:creationId xmlns:p14="http://schemas.microsoft.com/office/powerpoint/2010/main" val="1744024465"/>
+        <p14:creationId xmlns:p14="http://schemas.microsoft.com/office/powerpoint/2010/main" val="632737396"/>
       </p:ext>
     </p:extLst>
   </p:cSld>
@@ -5656,60 +5904,96 @@
         </p:nvSpPr>
         <p:spPr/>
         <p:txBody>
+          <a:bodyPr>
+            <a:normAutofit/>
+          </a:bodyPr>
+          <a:lstStyle/>
+          <a:p>
+            <a:r>
+              <a:rPr lang="en-US" dirty="0" smtClean="0"/>
+              <a:t>Process for creating resources</a:t>
+            </a:r>
+            <a:endParaRPr lang="en-CA" dirty="0"/>
+          </a:p>
+        </p:txBody>
+      </p:sp>
+      <p:sp>
+        <p:nvSpPr>
+          <p:cNvPr id="3" name="Content Placeholder 2"/>
+          <p:cNvSpPr>
+            <a:spLocks noGrp="1"/>
+          </p:cNvSpPr>
+          <p:nvPr>
+            <p:ph idx="1"/>
+          </p:nvPr>
+        </p:nvSpPr>
+        <p:spPr/>
+        <p:txBody>
           <a:bodyPr/>
           <a:lstStyle/>
           <a:p>
-            <a:r>
-              <a:rPr lang="en-US" dirty="0" smtClean="0"/>
-              <a:t>Publishing resources</a:t>
-            </a:r>
-            <a:endParaRPr lang="en-CA" dirty="0"/>
-          </a:p>
-        </p:txBody>
-      </p:sp>
-      <p:sp>
-        <p:nvSpPr>
-          <p:cNvPr id="3" name="Content Placeholder 2"/>
-          <p:cNvSpPr>
-            <a:spLocks noGrp="1"/>
-          </p:cNvSpPr>
-          <p:nvPr>
-            <p:ph idx="1"/>
-          </p:nvPr>
-        </p:nvSpPr>
-        <p:spPr/>
-        <p:txBody>
-          <a:bodyPr/>
-          <a:lstStyle/>
-          <a:p>
-            <a:r>
-              <a:rPr lang="en-US" dirty="0" err="1" smtClean="0">
-                <a:solidFill>
-                  <a:srgbClr val="FF3300"/>
-                </a:solidFill>
-              </a:rPr>
-              <a:t>Todo</a:t>
-            </a:r>
-            <a:r>
-              <a:rPr lang="en-US" dirty="0" smtClean="0">
-                <a:solidFill>
-                  <a:srgbClr val="FF3300"/>
-                </a:solidFill>
-              </a:rPr>
-              <a:t> – explain how to use publication tool</a:t>
-            </a:r>
-            <a:endParaRPr lang="en-CA" dirty="0">
-              <a:solidFill>
-                <a:srgbClr val="FF3300"/>
-              </a:solidFill>
-            </a:endParaRPr>
+            <a:pPr marL="596646" indent="-514350">
+              <a:buFont typeface="+mj-lt"/>
+              <a:buAutoNum type="arabicPeriod"/>
+            </a:pPr>
+            <a:r>
+              <a:rPr lang="en-US" dirty="0" smtClean="0"/>
+              <a:t>Define the “scope” for your proposed resource</a:t>
+            </a:r>
+          </a:p>
+          <a:p>
+            <a:pPr marL="596646" indent="-514350">
+              <a:buFont typeface="+mj-lt"/>
+              <a:buAutoNum type="arabicPeriod"/>
+            </a:pPr>
+            <a:r>
+              <a:rPr lang="en-US" dirty="0" smtClean="0"/>
+              <a:t>Request a resource name</a:t>
+            </a:r>
+          </a:p>
+          <a:p>
+            <a:pPr marL="870966" lvl="1" indent="-514350"/>
+            <a:r>
+              <a:rPr lang="en-US" dirty="0" smtClean="0"/>
+              <a:t>And permission to create that resource</a:t>
+            </a:r>
+          </a:p>
+          <a:p>
+            <a:pPr marL="596646" indent="-514350">
+              <a:buFont typeface="+mj-lt"/>
+              <a:buAutoNum type="arabicPeriod"/>
+            </a:pPr>
+            <a:r>
+              <a:rPr lang="en-US" dirty="0" smtClean="0"/>
+              <a:t>Create and edit resource content</a:t>
+            </a:r>
+          </a:p>
+          <a:p>
+            <a:pPr marL="596646" indent="-514350">
+              <a:buFont typeface="+mj-lt"/>
+              <a:buAutoNum type="arabicPeriod"/>
+            </a:pPr>
+            <a:r>
+              <a:rPr lang="en-US" dirty="0" smtClean="0"/>
+              <a:t>Publish resource</a:t>
+            </a:r>
+          </a:p>
+          <a:p>
+            <a:pPr marL="596646" indent="-514350">
+              <a:buFont typeface="+mj-lt"/>
+              <a:buAutoNum type="arabicPeriod"/>
+            </a:pPr>
+            <a:r>
+              <a:rPr lang="en-US" dirty="0" smtClean="0"/>
+              <a:t>Iterate</a:t>
+            </a:r>
           </a:p>
         </p:txBody>
       </p:sp>
     </p:spTree>
     <p:extLst>
       <p:ext uri="{BB962C8B-B14F-4D97-AF65-F5344CB8AC3E}">
-        <p14:creationId xmlns:p14="http://schemas.microsoft.com/office/powerpoint/2010/main" val="1744024465"/>
+        <p14:creationId xmlns:p14="http://schemas.microsoft.com/office/powerpoint/2010/main" val="3047101804"/>
       </p:ext>
     </p:extLst>
   </p:cSld>
@@ -5738,7 +6022,7 @@
       </p:grpSpPr>
       <p:sp>
         <p:nvSpPr>
-          <p:cNvPr id="7" name="Title 6"/>
+          <p:cNvPr id="2" name="Title 1"/>
           <p:cNvSpPr>
             <a:spLocks noGrp="1"/>
           </p:cNvSpPr>
@@ -5753,16 +6037,103 @@
           <a:p>
             <a:r>
               <a:rPr lang="en-US" dirty="0" smtClean="0"/>
-              <a:t>Example</a:t>
+              <a:t>Resource Scope</a:t>
             </a:r>
             <a:endParaRPr lang="en-CA" dirty="0"/>
+          </a:p>
+        </p:txBody>
+      </p:sp>
+      <p:sp>
+        <p:nvSpPr>
+          <p:cNvPr id="3" name="Content Placeholder 2"/>
+          <p:cNvSpPr>
+            <a:spLocks noGrp="1"/>
+          </p:cNvSpPr>
+          <p:nvPr>
+            <p:ph idx="1"/>
+          </p:nvPr>
+        </p:nvSpPr>
+        <p:spPr/>
+        <p:txBody>
+          <a:bodyPr>
+            <a:normAutofit/>
+          </a:bodyPr>
+          <a:lstStyle/>
+          <a:p>
+            <a:r>
+              <a:rPr lang="en-AU" dirty="0" smtClean="0"/>
+              <a:t>Scope </a:t>
+            </a:r>
+            <a:r>
+              <a:rPr lang="en-AU" dirty="0"/>
+              <a:t>should ideally </a:t>
+            </a:r>
+            <a:r>
+              <a:rPr lang="en-AU" dirty="0" smtClean="0"/>
+              <a:t>be broad </a:t>
+            </a:r>
+            <a:r>
+              <a:rPr lang="en-AU" dirty="0"/>
+              <a:t>enough to meet the potential needs of a wide spectrum of </a:t>
+            </a:r>
+            <a:r>
+              <a:rPr lang="en-AU" dirty="0" smtClean="0"/>
+              <a:t>users</a:t>
+            </a:r>
+          </a:p>
+          <a:p>
+            <a:pPr lvl="1"/>
+            <a:r>
+              <a:rPr lang="en-AU" dirty="0" smtClean="0"/>
+              <a:t>inpatient </a:t>
+            </a:r>
+            <a:r>
+              <a:rPr lang="en-AU" dirty="0"/>
+              <a:t>+ community, individual &amp; public health, human &amp; veterinary, all countries &amp; </a:t>
+            </a:r>
+            <a:r>
+              <a:rPr lang="en-AU" dirty="0" smtClean="0"/>
+              <a:t>realms</a:t>
+            </a:r>
+          </a:p>
+          <a:p>
+            <a:pPr lvl="1"/>
+            <a:r>
+              <a:rPr lang="en-AU" dirty="0" smtClean="0"/>
+              <a:t>If not </a:t>
+            </a:r>
+            <a:r>
+              <a:rPr lang="en-AU" dirty="0"/>
+              <a:t>possible, the space needs to be segregated such that multiple non-overlapping </a:t>
+            </a:r>
+            <a:r>
+              <a:rPr lang="en-AU" dirty="0" smtClean="0"/>
+              <a:t>resources can cover the space</a:t>
+            </a:r>
+          </a:p>
+          <a:p>
+            <a:r>
+              <a:rPr lang="en-US" dirty="0"/>
+              <a:t>Name needs to be linked to scope, and part of scope definition</a:t>
+            </a:r>
+          </a:p>
+          <a:p>
+            <a:pPr lvl="1"/>
+            <a:r>
+              <a:rPr lang="en-US" dirty="0"/>
+              <a:t>Must pass a reasonable person test</a:t>
+            </a:r>
+          </a:p>
+          <a:p>
+            <a:pPr lvl="1"/>
+            <a:endParaRPr lang="en-AU" dirty="0" smtClean="0"/>
           </a:p>
         </p:txBody>
       </p:sp>
     </p:spTree>
     <p:extLst>
       <p:ext uri="{BB962C8B-B14F-4D97-AF65-F5344CB8AC3E}">
-        <p14:creationId xmlns:p14="http://schemas.microsoft.com/office/powerpoint/2010/main" val="2003803946"/>
+        <p14:creationId xmlns:p14="http://schemas.microsoft.com/office/powerpoint/2010/main" val="3751498326"/>
       </p:ext>
     </p:extLst>
   </p:cSld>
@@ -5831,28 +6202,24 @@
               <a:rPr lang="en-US" dirty="0" smtClean="0"/>
               <a:t>Super-fast intro</a:t>
             </a:r>
-            <a:endParaRPr lang="en-US" dirty="0" smtClean="0"/>
           </a:p>
           <a:p>
             <a:r>
               <a:rPr lang="en-US" dirty="0" smtClean="0"/>
               <a:t>Timelines</a:t>
             </a:r>
-            <a:endParaRPr lang="en-US" dirty="0" smtClean="0"/>
           </a:p>
           <a:p>
             <a:r>
               <a:rPr lang="en-US" dirty="0" smtClean="0"/>
               <a:t>FHIR Development Artifacts</a:t>
             </a:r>
-            <a:endParaRPr lang="en-US" dirty="0" smtClean="0"/>
           </a:p>
           <a:p>
             <a:r>
               <a:rPr lang="en-US" dirty="0" smtClean="0"/>
               <a:t>FHIR Development Process</a:t>
             </a:r>
-            <a:endParaRPr lang="en-US" dirty="0" smtClean="0"/>
           </a:p>
           <a:p>
             <a:r>
@@ -5865,7 +6232,6 @@
               <a:rPr lang="en-US" dirty="0" smtClean="0"/>
               <a:t>Development Guidelines &amp; Considerations</a:t>
             </a:r>
-            <a:endParaRPr lang="en-US" dirty="0" smtClean="0"/>
           </a:p>
           <a:p>
             <a:r>
@@ -5917,76 +6283,77 @@
         </p:nvSpPr>
         <p:spPr/>
         <p:txBody>
-          <a:bodyPr>
-            <a:normAutofit/>
-          </a:bodyPr>
-          <a:lstStyle/>
-          <a:p>
-            <a:endParaRPr lang="en-CA" dirty="0"/>
-          </a:p>
-        </p:txBody>
-      </p:sp>
-      <p:sp>
-        <p:nvSpPr>
-          <p:cNvPr id="3" name="Content Placeholder 2"/>
-          <p:cNvSpPr>
-            <a:spLocks noGrp="1"/>
-          </p:cNvSpPr>
-          <p:nvPr>
-            <p:ph idx="1"/>
-          </p:nvPr>
-        </p:nvSpPr>
-        <p:spPr/>
-        <p:txBody>
           <a:bodyPr/>
           <a:lstStyle/>
           <a:p>
             <a:r>
-              <a:rPr lang="en-US" dirty="0" smtClean="0">
-                <a:solidFill>
-                  <a:srgbClr val="FF3300"/>
-                </a:solidFill>
-              </a:rPr>
-              <a:t>Grahame </a:t>
-            </a:r>
-            <a:r>
-              <a:rPr lang="en-US" dirty="0" err="1" smtClean="0">
-                <a:solidFill>
-                  <a:srgbClr val="FF3300"/>
-                </a:solidFill>
-              </a:rPr>
-              <a:t>todo</a:t>
-            </a:r>
-            <a:r>
-              <a:rPr lang="en-US" dirty="0" smtClean="0">
-                <a:solidFill>
-                  <a:srgbClr val="FF3300"/>
-                </a:solidFill>
-              </a:rPr>
-              <a:t>.  Pharmacy?</a:t>
-            </a:r>
-          </a:p>
-          <a:p>
-            <a:r>
-              <a:rPr lang="en-US" dirty="0" smtClean="0">
-                <a:solidFill>
-                  <a:srgbClr val="FF3300"/>
-                </a:solidFill>
-              </a:rPr>
-              <a:t>Compare w/ RMIM</a:t>
-            </a:r>
-            <a:endParaRPr lang="en-CA" dirty="0">
-              <a:solidFill>
-                <a:srgbClr val="FF3300"/>
-              </a:solidFill>
-            </a:endParaRPr>
+              <a:rPr lang="en-AU" dirty="0" smtClean="0"/>
+              <a:t>Resource Scope</a:t>
+            </a:r>
+            <a:endParaRPr lang="en-AU" dirty="0"/>
+          </a:p>
+        </p:txBody>
+      </p:sp>
+      <p:sp>
+        <p:nvSpPr>
+          <p:cNvPr id="3" name="Content Placeholder 2"/>
+          <p:cNvSpPr>
+            <a:spLocks noGrp="1"/>
+          </p:cNvSpPr>
+          <p:nvPr>
+            <p:ph idx="1"/>
+          </p:nvPr>
+        </p:nvSpPr>
+        <p:spPr/>
+        <p:txBody>
+          <a:bodyPr/>
+          <a:lstStyle/>
+          <a:p>
+            <a:r>
+              <a:rPr lang="en-AU" dirty="0"/>
+              <a:t>Relationship between proposed resource and other resources needs to be well described</a:t>
+            </a:r>
+          </a:p>
+          <a:p>
+            <a:pPr lvl="1"/>
+            <a:r>
+              <a:rPr lang="en-AU" dirty="0"/>
+              <a:t>Direction of links needs to be </a:t>
+            </a:r>
+            <a:r>
+              <a:rPr lang="en-AU" dirty="0" smtClean="0"/>
+              <a:t>understood</a:t>
+            </a:r>
+          </a:p>
+          <a:p>
+            <a:pPr lvl="1"/>
+            <a:r>
+              <a:rPr lang="en-AU" dirty="0" smtClean="0"/>
+              <a:t>In both directions – what will reference this?</a:t>
+            </a:r>
+          </a:p>
+          <a:p>
+            <a:r>
+              <a:rPr lang="en-AU" dirty="0" smtClean="0"/>
+              <a:t>What is the life cycle?</a:t>
+            </a:r>
+          </a:p>
+          <a:p>
+            <a:r>
+              <a:rPr lang="en-AU" dirty="0" smtClean="0"/>
+              <a:t>Does it have a status?</a:t>
+            </a:r>
+            <a:endParaRPr lang="en-CA" dirty="0"/>
+          </a:p>
+          <a:p>
+            <a:endParaRPr lang="en-AU" dirty="0"/>
           </a:p>
         </p:txBody>
       </p:sp>
     </p:spTree>
     <p:extLst>
       <p:ext uri="{BB962C8B-B14F-4D97-AF65-F5344CB8AC3E}">
-        <p14:creationId xmlns:p14="http://schemas.microsoft.com/office/powerpoint/2010/main" val="902188430"/>
+        <p14:creationId xmlns:p14="http://schemas.microsoft.com/office/powerpoint/2010/main" val="2052313475"/>
       </p:ext>
     </p:extLst>
   </p:cSld>
@@ -6015,7 +6382,7 @@
       </p:grpSpPr>
       <p:sp>
         <p:nvSpPr>
-          <p:cNvPr id="7" name="Title 6"/>
+          <p:cNvPr id="2" name="Title 1"/>
           <p:cNvSpPr>
             <a:spLocks noGrp="1"/>
           </p:cNvSpPr>
@@ -6030,16 +6397,93 @@
           <a:p>
             <a:r>
               <a:rPr lang="en-US" dirty="0" smtClean="0"/>
-              <a:t>Development Guidelines</a:t>
+              <a:t>Requesting a </a:t>
+            </a:r>
+            <a:r>
+              <a:rPr lang="en-US" dirty="0" smtClean="0"/>
+              <a:t>Resource</a:t>
             </a:r>
             <a:endParaRPr lang="en-CA" dirty="0"/>
+          </a:p>
+        </p:txBody>
+      </p:sp>
+      <p:sp>
+        <p:nvSpPr>
+          <p:cNvPr id="3" name="Content Placeholder 2"/>
+          <p:cNvSpPr>
+            <a:spLocks noGrp="1"/>
+          </p:cNvSpPr>
+          <p:nvPr>
+            <p:ph idx="1"/>
+          </p:nvPr>
+        </p:nvSpPr>
+        <p:spPr/>
+        <p:txBody>
+          <a:bodyPr/>
+          <a:lstStyle/>
+          <a:p>
+            <a:r>
+              <a:rPr lang="en-US" dirty="0" smtClean="0"/>
+              <a:t>Fill out request form &amp; submit</a:t>
+            </a:r>
+          </a:p>
+          <a:p>
+            <a:pPr lvl="1"/>
+            <a:r>
+              <a:rPr lang="en-US" dirty="0" smtClean="0"/>
+              <a:t>Form yet to be developed</a:t>
+            </a:r>
+          </a:p>
+          <a:p>
+            <a:r>
+              <a:rPr lang="en-US" dirty="0" smtClean="0"/>
+              <a:t>Requests Approved by Governance Committee</a:t>
+            </a:r>
+          </a:p>
+          <a:p>
+            <a:pPr lvl="1"/>
+            <a:r>
+              <a:rPr lang="en-US" dirty="0" smtClean="0"/>
+              <a:t>Likely to be chartered by TSC.</a:t>
+            </a:r>
+          </a:p>
+          <a:p>
+            <a:pPr lvl="1"/>
+            <a:r>
+              <a:rPr lang="en-US" dirty="0" smtClean="0"/>
+              <a:t>Membership based on contributions and commitment</a:t>
+            </a:r>
+            <a:endParaRPr lang="en-US" dirty="0" smtClean="0"/>
+          </a:p>
+          <a:p>
+            <a:pPr lvl="1"/>
+            <a:r>
+              <a:rPr lang="en-US" dirty="0" smtClean="0"/>
+              <a:t>Governance policies, processes TBD</a:t>
+            </a:r>
+          </a:p>
+          <a:p>
+            <a:pPr lvl="1"/>
+            <a:r>
+              <a:rPr lang="en-US" dirty="0" smtClean="0"/>
+              <a:t>Need transparency, good records, public debate</a:t>
+            </a:r>
+            <a:endParaRPr lang="en-CA" dirty="0"/>
+          </a:p>
+          <a:p>
+            <a:pPr lvl="1"/>
+            <a:r>
+              <a:rPr lang="en-CA" dirty="0" smtClean="0"/>
+              <a:t>Looking for stability, reliability in resource maintenance</a:t>
+            </a:r>
+            <a:endParaRPr lang="en-US" dirty="0" smtClean="0"/>
           </a:p>
         </p:txBody>
       </p:sp>
     </p:spTree>
     <p:extLst>
       <p:ext uri="{BB962C8B-B14F-4D97-AF65-F5344CB8AC3E}">
-        <p14:creationId xmlns:p14="http://schemas.microsoft.com/office/powerpoint/2010/main" val="2081902458"/>
+        <p14:creationId xmlns:p14="http://schemas.microsoft.com/office/powerpoint/2010/main" val="1744024465"/>
       </p:ext>
     </p:extLst>
   </p:cSld>
@@ -6078,64 +6522,94 @@
         </p:nvSpPr>
         <p:spPr/>
         <p:txBody>
-          <a:bodyPr>
-            <a:normAutofit/>
-          </a:bodyPr>
-          <a:lstStyle/>
-          <a:p>
-            <a:r>
-              <a:rPr lang="en-US" dirty="0" smtClean="0"/>
-              <a:t>What are the rules?</a:t>
-            </a:r>
-            <a:endParaRPr lang="en-CA" dirty="0"/>
-          </a:p>
-        </p:txBody>
-      </p:sp>
-      <p:sp>
-        <p:nvSpPr>
-          <p:cNvPr id="3" name="Content Placeholder 2"/>
-          <p:cNvSpPr>
-            <a:spLocks noGrp="1"/>
-          </p:cNvSpPr>
-          <p:nvPr>
-            <p:ph idx="1"/>
-          </p:nvPr>
-        </p:nvSpPr>
-        <p:spPr/>
-        <p:txBody>
           <a:bodyPr/>
           <a:lstStyle/>
           <a:p>
             <a:r>
-              <a:rPr lang="en-US" dirty="0" smtClean="0"/>
-              <a:t>The “rules” are still in flux and will evolve based on initial development experience</a:t>
-            </a:r>
-          </a:p>
-          <a:p>
-            <a:r>
-              <a:rPr lang="en-US" dirty="0" smtClean="0"/>
-              <a:t>The base rules reflect the premises on which FHIR is based</a:t>
+              <a:rPr lang="en-AU" dirty="0" smtClean="0"/>
+              <a:t>Creating a Resource</a:t>
+            </a:r>
+            <a:endParaRPr lang="en-AU" dirty="0"/>
+          </a:p>
+        </p:txBody>
+      </p:sp>
+      <p:sp>
+        <p:nvSpPr>
+          <p:cNvPr id="3" name="Content Placeholder 2"/>
+          <p:cNvSpPr>
+            <a:spLocks noGrp="1"/>
+          </p:cNvSpPr>
+          <p:nvPr>
+            <p:ph idx="1"/>
+          </p:nvPr>
+        </p:nvSpPr>
+        <p:spPr/>
+        <p:txBody>
+          <a:bodyPr/>
+          <a:lstStyle/>
+          <a:p>
+            <a:r>
+              <a:rPr lang="en-US" dirty="0"/>
+              <a:t>Once resource is created, governance committee will:</a:t>
             </a:r>
           </a:p>
           <a:p>
             <a:pPr lvl="1"/>
             <a:r>
-              <a:rPr lang="en-US" dirty="0" smtClean="0"/>
-              <a:t>see Introduction to FHIR presentation</a:t>
-            </a:r>
-          </a:p>
-          <a:p>
-            <a:r>
-              <a:rPr lang="en-US" dirty="0" smtClean="0"/>
-              <a:t>There are however a few that have been developed so far</a:t>
-            </a:r>
+              <a:rPr lang="en-US" dirty="0"/>
+              <a:t>Create empty files</a:t>
+            </a:r>
+          </a:p>
+          <a:p>
+            <a:pPr lvl="1"/>
+            <a:r>
+              <a:rPr lang="en-US" dirty="0"/>
+              <a:t>Create empty diagram</a:t>
+            </a:r>
+          </a:p>
+          <a:p>
+            <a:pPr lvl="1"/>
+            <a:r>
+              <a:rPr lang="en-US" dirty="0"/>
+              <a:t>Register new resource with publication </a:t>
+            </a:r>
+            <a:r>
+              <a:rPr lang="en-US" dirty="0" smtClean="0"/>
+              <a:t>infrastructure</a:t>
+            </a:r>
+          </a:p>
+          <a:p>
+            <a:pPr lvl="1"/>
+            <a:r>
+              <a:rPr lang="en-US" dirty="0" smtClean="0"/>
+              <a:t>Check Resource is published ok</a:t>
+            </a:r>
+          </a:p>
+          <a:p>
+            <a:pPr lvl="1"/>
+            <a:r>
+              <a:rPr lang="en-US" dirty="0" smtClean="0"/>
+              <a:t>Add committee members to </a:t>
+            </a:r>
+            <a:r>
+              <a:rPr lang="en-US" dirty="0" err="1" smtClean="0"/>
+              <a:t>svn</a:t>
+            </a:r>
+            <a:r>
+              <a:rPr lang="en-US" dirty="0" smtClean="0"/>
+              <a:t> permissions</a:t>
+            </a:r>
+            <a:endParaRPr lang="en-US" dirty="0"/>
+          </a:p>
+          <a:p>
+            <a:endParaRPr lang="en-AU" dirty="0" smtClean="0"/>
           </a:p>
         </p:txBody>
       </p:sp>
     </p:spTree>
     <p:extLst>
       <p:ext uri="{BB962C8B-B14F-4D97-AF65-F5344CB8AC3E}">
-        <p14:creationId xmlns:p14="http://schemas.microsoft.com/office/powerpoint/2010/main" val="2716087583"/>
+        <p14:creationId xmlns:p14="http://schemas.microsoft.com/office/powerpoint/2010/main" val="1218670616"/>
       </p:ext>
     </p:extLst>
   </p:cSld>
@@ -6178,10 +6652,10 @@
           <a:lstStyle/>
           <a:p>
             <a:r>
-              <a:rPr lang="en-US" dirty="0" smtClean="0"/>
-              <a:t>How do we define scope?</a:t>
-            </a:r>
-            <a:endParaRPr lang="en-CA" dirty="0"/>
+              <a:rPr lang="en-AU" dirty="0" smtClean="0"/>
+              <a:t>Build Process</a:t>
+            </a:r>
+            <a:endParaRPr lang="en-AU" dirty="0"/>
           </a:p>
         </p:txBody>
       </p:sp>
@@ -6197,68 +6671,111 @@
         </p:nvSpPr>
         <p:spPr/>
         <p:txBody>
-          <a:bodyPr/>
+          <a:bodyPr>
+            <a:normAutofit/>
+          </a:bodyPr>
           <a:lstStyle/>
           <a:p>
             <a:r>
-              <a:rPr lang="en-US" dirty="0" smtClean="0"/>
-              <a:t>Resources </a:t>
-            </a:r>
-            <a:r>
-              <a:rPr lang="en-US" b="1" dirty="0" smtClean="0"/>
-              <a:t>must not</a:t>
-            </a:r>
-            <a:r>
-              <a:rPr lang="en-US" b="0" dirty="0" smtClean="0"/>
-              <a:t> overlap</a:t>
+              <a:rPr lang="en-AU" dirty="0" smtClean="0"/>
+              <a:t>Process:</a:t>
             </a:r>
           </a:p>
           <a:p>
             <a:pPr lvl="1"/>
             <a:r>
-              <a:rPr lang="en-US" dirty="0" smtClean="0"/>
-              <a:t>I.e. Given a clinical concept, there must be one (and only one) resource type that supports conveying that concept</a:t>
+              <a:rPr lang="en-AU" dirty="0"/>
+              <a:t>Run publish.bat </a:t>
+            </a:r>
+            <a:r>
+              <a:rPr lang="en-AU" dirty="0" smtClean="0"/>
+              <a:t>. (Needs Java runtime)</a:t>
             </a:r>
           </a:p>
           <a:p>
             <a:pPr lvl="1"/>
             <a:r>
-              <a:rPr lang="en-US" dirty="0" smtClean="0"/>
-              <a:t>Therefore, resource definitions must define clear boundaries between themselves and existing and expected resources</a:t>
-            </a:r>
-          </a:p>
-          <a:p>
-            <a:pPr lvl="0"/>
-            <a:r>
-              <a:rPr lang="en-US" dirty="0" smtClean="0"/>
-              <a:t>Should span all countries</a:t>
-            </a:r>
-          </a:p>
-          <a:p>
-            <a:pPr lvl="0"/>
-            <a:r>
-              <a:rPr lang="en-US" dirty="0" smtClean="0"/>
-              <a:t>Should span medical</a:t>
-            </a:r>
-            <a:r>
-              <a:rPr lang="en-US" baseline="0" dirty="0" smtClean="0"/>
-              <a:t> disciplines</a:t>
-            </a:r>
-          </a:p>
-          <a:p>
-            <a:pPr lvl="0"/>
-            <a:r>
-              <a:rPr lang="en-US" baseline="0" dirty="0" smtClean="0"/>
-              <a:t>Should usually even span human &amp; veterinary</a:t>
-            </a:r>
-            <a:endParaRPr lang="en-CA" dirty="0"/>
+              <a:rPr lang="en-AU" dirty="0" smtClean="0"/>
+              <a:t>Checks &amp; parses all source files</a:t>
+            </a:r>
+          </a:p>
+          <a:p>
+            <a:pPr lvl="1"/>
+            <a:r>
+              <a:rPr lang="en-AU" dirty="0" smtClean="0"/>
+              <a:t>Runs internal validations to ensure coherence</a:t>
+            </a:r>
+          </a:p>
+          <a:p>
+            <a:pPr lvl="1"/>
+            <a:r>
+              <a:rPr lang="en-AU" dirty="0" smtClean="0"/>
+              <a:t>Generates reference implementations</a:t>
+            </a:r>
+          </a:p>
+          <a:p>
+            <a:pPr lvl="1"/>
+            <a:r>
+              <a:rPr lang="en-AU" dirty="0" smtClean="0"/>
+              <a:t>Generates schemas / JSON examples</a:t>
+            </a:r>
+          </a:p>
+          <a:p>
+            <a:pPr lvl="1"/>
+            <a:r>
+              <a:rPr lang="en-AU" dirty="0" smtClean="0"/>
+              <a:t>Generates full specification</a:t>
+            </a:r>
+          </a:p>
+          <a:p>
+            <a:pPr lvl="1"/>
+            <a:r>
+              <a:rPr lang="en-AU" dirty="0" smtClean="0"/>
+              <a:t>Validates examples against the schemas</a:t>
+            </a:r>
+          </a:p>
+          <a:p>
+            <a:r>
+              <a:rPr lang="en-AU" dirty="0" smtClean="0"/>
+              <a:t>Output:</a:t>
+            </a:r>
+          </a:p>
+          <a:p>
+            <a:pPr lvl="1"/>
+            <a:r>
+              <a:rPr lang="en-AU" dirty="0" smtClean="0"/>
+              <a:t>Single directory, static </a:t>
+            </a:r>
+            <a:r>
+              <a:rPr lang="en-AU" dirty="0" err="1" smtClean="0"/>
+              <a:t>htm</a:t>
+            </a:r>
+            <a:r>
+              <a:rPr lang="en-AU" dirty="0" smtClean="0"/>
+              <a:t>/</a:t>
+            </a:r>
+            <a:r>
+              <a:rPr lang="en-AU" dirty="0" err="1" smtClean="0"/>
+              <a:t>png</a:t>
+            </a:r>
+            <a:r>
+              <a:rPr lang="en-AU" dirty="0" smtClean="0"/>
+              <a:t>/zip files</a:t>
+            </a:r>
+          </a:p>
+          <a:p>
+            <a:pPr lvl="1"/>
+            <a:r>
+              <a:rPr lang="en-AU" dirty="0" smtClean="0"/>
+              <a:t>Host for web server (http://www.hl7.org/fhir)</a:t>
+            </a:r>
           </a:p>
         </p:txBody>
       </p:sp>
     </p:spTree>
     <p:extLst>
       <p:ext uri="{BB962C8B-B14F-4D97-AF65-F5344CB8AC3E}">
-        <p14:creationId xmlns:p14="http://schemas.microsoft.com/office/powerpoint/2010/main" val="2247919599"/>
+        <p14:creationId xmlns:p14="http://schemas.microsoft.com/office/powerpoint/2010/main" val="2610716812"/>
       </p:ext>
     </p:extLst>
   </p:cSld>
@@ -6297,16 +6814,14 @@
         </p:nvSpPr>
         <p:spPr/>
         <p:txBody>
-          <a:bodyPr>
-            <a:normAutofit/>
-          </a:bodyPr>
+          <a:bodyPr/>
           <a:lstStyle/>
           <a:p>
             <a:r>
-              <a:rPr lang="en-US" dirty="0" smtClean="0"/>
-              <a:t>How do we decide 80-20?</a:t>
-            </a:r>
-            <a:endParaRPr lang="en-CA" dirty="0"/>
+              <a:rPr lang="en-AU" dirty="0" smtClean="0"/>
+              <a:t>Version Control</a:t>
+            </a:r>
+            <a:endParaRPr lang="en-AU" dirty="0"/>
           </a:p>
         </p:txBody>
       </p:sp>
@@ -6322,55 +6837,63 @@
         </p:nvSpPr>
         <p:spPr/>
         <p:txBody>
-          <a:bodyPr>
-            <a:normAutofit fontScale="92500"/>
-          </a:bodyPr>
+          <a:bodyPr/>
           <a:lstStyle/>
           <a:p>
             <a:r>
-              <a:rPr lang="en-US" dirty="0" smtClean="0"/>
-              <a:t>First, look to your scope</a:t>
-            </a:r>
+              <a:rPr lang="en-AU" dirty="0" smtClean="0"/>
+              <a:t>All FHIR definitions, source, </a:t>
+            </a:r>
+            <a:r>
+              <a:rPr lang="en-AU" dirty="0" err="1" smtClean="0"/>
+              <a:t>etc</a:t>
+            </a:r>
+            <a:r>
+              <a:rPr lang="en-AU" dirty="0" smtClean="0"/>
+              <a:t> are subject to version control</a:t>
+            </a:r>
+          </a:p>
+          <a:p>
+            <a:endParaRPr lang="en-AU" dirty="0" smtClean="0"/>
+          </a:p>
+          <a:p>
+            <a:r>
+              <a:rPr lang="en-AU" dirty="0" smtClean="0"/>
+              <a:t>Every committer can run the build process </a:t>
+            </a:r>
+            <a:endParaRPr lang="en-AU" sz="2000" i="1" dirty="0"/>
           </a:p>
           <a:p>
             <a:pPr lvl="1"/>
             <a:r>
-              <a:rPr lang="en-US" dirty="0" smtClean="0"/>
-              <a:t>Do 80% of all the existing systems covered by your scope use the element?</a:t>
+              <a:rPr lang="en-AU" dirty="0" smtClean="0"/>
+              <a:t>Committers need to ensure the build process succeeds before committing</a:t>
             </a:r>
           </a:p>
           <a:p>
             <a:pPr lvl="1"/>
-            <a:r>
-              <a:rPr lang="en-US" dirty="0" smtClean="0"/>
-              <a:t>If your spec isn’t in use yet, would you expect 80% of all implementers within your scope to use the element?</a:t>
-            </a:r>
-          </a:p>
-          <a:p>
-            <a:r>
-              <a:rPr lang="en-US" dirty="0" smtClean="0"/>
-              <a:t>Implementer = system responsible for maintaining that resource, not merely a system that references the resource</a:t>
-            </a:r>
-          </a:p>
-          <a:p>
-            <a:r>
-              <a:rPr lang="en-US" dirty="0" smtClean="0"/>
-              <a:t>If unsure, err on the side of non-core rather than core (i.e. not in the 80%)</a:t>
+            <a:endParaRPr lang="en-AU" dirty="0" smtClean="0"/>
+          </a:p>
+          <a:p>
+            <a:r>
+              <a:rPr lang="en-AU" dirty="0" smtClean="0"/>
+              <a:t>Much of the internal process enforcement for FHIR is delegated to social factors</a:t>
             </a:r>
           </a:p>
           <a:p>
             <a:pPr lvl="1"/>
             <a:r>
-              <a:rPr lang="en-US" dirty="0" smtClean="0"/>
-              <a:t>We can always move things based on DSTU</a:t>
-            </a:r>
+              <a:rPr lang="en-AU" dirty="0" smtClean="0"/>
+              <a:t>i.e. a standard software development process</a:t>
+            </a:r>
+            <a:endParaRPr lang="en-AU" dirty="0"/>
           </a:p>
         </p:txBody>
       </p:sp>
     </p:spTree>
     <p:extLst>
       <p:ext uri="{BB962C8B-B14F-4D97-AF65-F5344CB8AC3E}">
-        <p14:creationId xmlns:p14="http://schemas.microsoft.com/office/powerpoint/2010/main" val="2357013649"/>
+        <p14:creationId xmlns:p14="http://schemas.microsoft.com/office/powerpoint/2010/main" val="2333848293"/>
       </p:ext>
     </p:extLst>
   </p:cSld>
@@ -6409,6 +6932,29 @@
         </p:nvSpPr>
         <p:spPr/>
         <p:txBody>
+          <a:bodyPr/>
+          <a:lstStyle/>
+          <a:p>
+            <a:r>
+              <a:rPr lang="en-US" dirty="0" smtClean="0"/>
+              <a:t>Creating and editing content</a:t>
+            </a:r>
+            <a:endParaRPr lang="en-CA" dirty="0"/>
+          </a:p>
+        </p:txBody>
+      </p:sp>
+      <p:sp>
+        <p:nvSpPr>
+          <p:cNvPr id="3" name="Content Placeholder 2"/>
+          <p:cNvSpPr>
+            <a:spLocks noGrp="1"/>
+          </p:cNvSpPr>
+          <p:nvPr>
+            <p:ph idx="1"/>
+          </p:nvPr>
+        </p:nvSpPr>
+        <p:spPr/>
+        <p:txBody>
           <a:bodyPr>
             <a:normAutofit/>
           </a:bodyPr>
@@ -6416,78 +6962,92 @@
           <a:p>
             <a:r>
               <a:rPr lang="en-US" dirty="0" smtClean="0"/>
-              <a:t>Element naming rules</a:t>
+              <a:t>Recommended inputs:</a:t>
+            </a:r>
+          </a:p>
+          <a:p>
+            <a:pPr lvl="1"/>
+            <a:r>
+              <a:rPr lang="en-AU" dirty="0"/>
+              <a:t>v3 Domain models</a:t>
+            </a:r>
+          </a:p>
+          <a:p>
+            <a:pPr lvl="1"/>
+            <a:r>
+              <a:rPr lang="en-AU" dirty="0"/>
+              <a:t>CDA, Consolidated CDA story and other implementation guides (and IHE specifications)</a:t>
+            </a:r>
+          </a:p>
+          <a:p>
+            <a:pPr lvl="1"/>
+            <a:r>
+              <a:rPr lang="en-AU" dirty="0"/>
+              <a:t>v2 </a:t>
+            </a:r>
+            <a:r>
+              <a:rPr lang="en-AU" dirty="0" smtClean="0"/>
+              <a:t>segments &amp; national implementations</a:t>
+            </a:r>
+            <a:endParaRPr lang="en-AU" dirty="0"/>
+          </a:p>
+          <a:p>
+            <a:pPr lvl="1"/>
+            <a:r>
+              <a:rPr lang="en-AU" dirty="0" err="1"/>
+              <a:t>openEHR</a:t>
+            </a:r>
+            <a:r>
+              <a:rPr lang="en-AU" dirty="0"/>
+              <a:t> Archetypes </a:t>
+            </a:r>
+            <a:r>
+              <a:rPr lang="en-AU" dirty="0" smtClean="0"/>
+              <a:t>(http</a:t>
+            </a:r>
+            <a:r>
+              <a:rPr lang="en-AU" dirty="0"/>
+              <a:t>://</a:t>
+            </a:r>
+            <a:r>
+              <a:rPr lang="en-AU" dirty="0" smtClean="0"/>
+              <a:t>www.openher.org/ckm)</a:t>
+            </a:r>
+            <a:endParaRPr lang="en-AU" dirty="0"/>
+          </a:p>
+          <a:p>
+            <a:pPr lvl="1"/>
+            <a:r>
+              <a:rPr lang="en-AU" dirty="0"/>
+              <a:t>National repository definitions (possible sources: S&amp;I (including the CEDD), UK NHS, Canada Health </a:t>
+            </a:r>
+            <a:r>
+              <a:rPr lang="en-AU" dirty="0" err="1"/>
+              <a:t>Infoway</a:t>
+            </a:r>
+            <a:r>
+              <a:rPr lang="en-AU" dirty="0"/>
+              <a:t>, Singapore LIMs, NEHTA (Australia)) - beware of local </a:t>
+            </a:r>
+            <a:r>
+              <a:rPr lang="en-AU" dirty="0" smtClean="0"/>
+              <a:t>variations</a:t>
+            </a:r>
+            <a:endParaRPr lang="en-US" dirty="0" smtClean="0"/>
+          </a:p>
+          <a:p>
+            <a:r>
+              <a:rPr lang="en-US" dirty="0" smtClean="0"/>
+              <a:t>Demonstration…</a:t>
             </a:r>
             <a:endParaRPr lang="en-CA" dirty="0"/>
-          </a:p>
-        </p:txBody>
-      </p:sp>
-      <p:sp>
-        <p:nvSpPr>
-          <p:cNvPr id="3" name="Content Placeholder 2"/>
-          <p:cNvSpPr>
-            <a:spLocks noGrp="1"/>
-          </p:cNvSpPr>
-          <p:nvPr>
-            <p:ph idx="1"/>
-          </p:nvPr>
-        </p:nvSpPr>
-        <p:spPr/>
-        <p:txBody>
-          <a:bodyPr/>
-          <a:lstStyle/>
-          <a:p>
-            <a:r>
-              <a:rPr lang="en-US" dirty="0" smtClean="0"/>
-              <a:t>Element names are lower camel case</a:t>
-            </a:r>
-          </a:p>
-          <a:p>
-            <a:r>
-              <a:rPr lang="en-US" dirty="0" smtClean="0"/>
-              <a:t>U.S.</a:t>
-            </a:r>
-            <a:r>
-              <a:rPr lang="en-US" baseline="0" dirty="0" smtClean="0"/>
-              <a:t> English</a:t>
-            </a:r>
-          </a:p>
-          <a:p>
-            <a:r>
-              <a:rPr lang="en-US" baseline="0" dirty="0" smtClean="0"/>
-              <a:t>Reflect domain-friendly terminology as internationally as possible</a:t>
-            </a:r>
-          </a:p>
-          <a:p>
-            <a:r>
-              <a:rPr lang="en-US" baseline="0" dirty="0" smtClean="0"/>
-              <a:t>Are concise</a:t>
-            </a:r>
-          </a:p>
-          <a:p>
-            <a:r>
-              <a:rPr lang="en-US" baseline="0" dirty="0" smtClean="0"/>
-              <a:t>Avoid abbreviations unless obvious to even non-domain experts</a:t>
-            </a:r>
-          </a:p>
-          <a:p>
-            <a:r>
-              <a:rPr lang="en-US" baseline="0" dirty="0" smtClean="0"/>
-              <a:t>Are unique within a resource</a:t>
-            </a:r>
-          </a:p>
-          <a:p>
-            <a:r>
-              <a:rPr lang="en-US" baseline="0" dirty="0" smtClean="0"/>
-              <a:t>Are consistent with other resources (where this doesn’t impact domain-friendliness)</a:t>
-            </a:r>
           </a:p>
         </p:txBody>
       </p:sp>
     </p:spTree>
     <p:extLst>
       <p:ext uri="{BB962C8B-B14F-4D97-AF65-F5344CB8AC3E}">
-        <p14:creationId xmlns:p14="http://schemas.microsoft.com/office/powerpoint/2010/main" val="3075519286"/>
+        <p14:creationId xmlns:p14="http://schemas.microsoft.com/office/powerpoint/2010/main" val="1744024465"/>
       </p:ext>
     </p:extLst>
   </p:cSld>
@@ -6516,7 +7076,7 @@
       </p:grpSpPr>
       <p:sp>
         <p:nvSpPr>
-          <p:cNvPr id="2" name="Title 1"/>
+          <p:cNvPr id="7" name="Title 6"/>
           <p:cNvSpPr>
             <a:spLocks noGrp="1"/>
           </p:cNvSpPr>
@@ -6531,44 +7091,16 @@
           <a:p>
             <a:r>
               <a:rPr lang="en-US" dirty="0" smtClean="0"/>
-              <a:t>Cardinality &amp; optionality</a:t>
+              <a:t>Example</a:t>
             </a:r>
             <a:endParaRPr lang="en-CA" dirty="0"/>
-          </a:p>
-        </p:txBody>
-      </p:sp>
-      <p:sp>
-        <p:nvSpPr>
-          <p:cNvPr id="3" name="Content Placeholder 2"/>
-          <p:cNvSpPr>
-            <a:spLocks noGrp="1"/>
-          </p:cNvSpPr>
-          <p:nvPr>
-            <p:ph idx="1"/>
-          </p:nvPr>
-        </p:nvSpPr>
-        <p:spPr/>
-        <p:txBody>
-          <a:bodyPr/>
-          <a:lstStyle/>
-          <a:p>
-            <a:r>
-              <a:rPr lang="en-US" dirty="0" smtClean="0"/>
-              <a:t>Elements should only repeat if 80% of implementers will need repetitions</a:t>
-            </a:r>
-          </a:p>
-          <a:p>
-            <a:r>
-              <a:rPr lang="en-US" dirty="0" smtClean="0"/>
-              <a:t>Elements should only be “required” if the resource would be unusable without the data element present</a:t>
-            </a:r>
           </a:p>
         </p:txBody>
       </p:sp>
     </p:spTree>
     <p:extLst>
       <p:ext uri="{BB962C8B-B14F-4D97-AF65-F5344CB8AC3E}">
-        <p14:creationId xmlns:p14="http://schemas.microsoft.com/office/powerpoint/2010/main" val="2464548096"/>
+        <p14:creationId xmlns:p14="http://schemas.microsoft.com/office/powerpoint/2010/main" val="2003803946"/>
       </p:ext>
     </p:extLst>
   </p:cSld>
@@ -6597,7 +7129,7 @@
       </p:grpSpPr>
       <p:sp>
         <p:nvSpPr>
-          <p:cNvPr id="2" name="Title 1"/>
+          <p:cNvPr id="7" name="Title 6"/>
           <p:cNvSpPr>
             <a:spLocks noGrp="1"/>
           </p:cNvSpPr>
@@ -6612,56 +7144,16 @@
           <a:p>
             <a:r>
               <a:rPr lang="en-US" dirty="0" smtClean="0"/>
-              <a:t>Mappings</a:t>
+              <a:t>Development Guidelines</a:t>
             </a:r>
             <a:endParaRPr lang="en-CA" dirty="0"/>
-          </a:p>
-        </p:txBody>
-      </p:sp>
-      <p:sp>
-        <p:nvSpPr>
-          <p:cNvPr id="3" name="Content Placeholder 2"/>
-          <p:cNvSpPr>
-            <a:spLocks noGrp="1"/>
-          </p:cNvSpPr>
-          <p:nvPr>
-            <p:ph idx="1"/>
-          </p:nvPr>
-        </p:nvSpPr>
-        <p:spPr/>
-        <p:txBody>
-          <a:bodyPr/>
-          <a:lstStyle/>
-          <a:p>
-            <a:r>
-              <a:rPr lang="en-US" dirty="0" smtClean="0"/>
-              <a:t>HL7 v3 mappings are mandatory</a:t>
-            </a:r>
-          </a:p>
-          <a:p>
-            <a:pPr lvl="1"/>
-            <a:r>
-              <a:rPr lang="en-US" dirty="0" smtClean="0"/>
-              <a:t>Syntax is still being finalized, but it will be x-path like</a:t>
-            </a:r>
-          </a:p>
-          <a:p>
-            <a:pPr lvl="0"/>
-            <a:r>
-              <a:rPr lang="en-US" dirty="0" smtClean="0"/>
-              <a:t>HL7 v2 mappings are </a:t>
-            </a:r>
-            <a:r>
-              <a:rPr lang="en-US" b="0" dirty="0" smtClean="0"/>
-              <a:t>mandatory if the resource has a corresponding construct in v2</a:t>
-            </a:r>
           </a:p>
         </p:txBody>
       </p:sp>
     </p:spTree>
     <p:extLst>
       <p:ext uri="{BB962C8B-B14F-4D97-AF65-F5344CB8AC3E}">
-        <p14:creationId xmlns:p14="http://schemas.microsoft.com/office/powerpoint/2010/main" val="3088086558"/>
+        <p14:creationId xmlns:p14="http://schemas.microsoft.com/office/powerpoint/2010/main" val="2081902458"/>
       </p:ext>
     </p:extLst>
   </p:cSld>
@@ -6700,77 +7192,56 @@
         </p:nvSpPr>
         <p:spPr/>
         <p:txBody>
+          <a:bodyPr>
+            <a:normAutofit/>
+          </a:bodyPr>
+          <a:lstStyle/>
+          <a:p>
+            <a:r>
+              <a:rPr lang="en-US" dirty="0" smtClean="0"/>
+              <a:t>What are the rules?</a:t>
+            </a:r>
+            <a:endParaRPr lang="en-CA" dirty="0"/>
+          </a:p>
+        </p:txBody>
+      </p:sp>
+      <p:sp>
+        <p:nvSpPr>
+          <p:cNvPr id="3" name="Content Placeholder 2"/>
+          <p:cNvSpPr>
+            <a:spLocks noGrp="1"/>
+          </p:cNvSpPr>
+          <p:nvPr>
+            <p:ph idx="1"/>
+          </p:nvPr>
+        </p:nvSpPr>
+        <p:spPr/>
+        <p:txBody>
           <a:bodyPr/>
           <a:lstStyle/>
           <a:p>
             <a:r>
               <a:rPr lang="en-US" dirty="0" smtClean="0"/>
-              <a:t>Definitions</a:t>
-            </a:r>
-            <a:endParaRPr lang="en-CA" dirty="0"/>
-          </a:p>
-        </p:txBody>
-      </p:sp>
-      <p:sp>
-        <p:nvSpPr>
-          <p:cNvPr id="3" name="Content Placeholder 2"/>
-          <p:cNvSpPr>
-            <a:spLocks noGrp="1"/>
-          </p:cNvSpPr>
-          <p:nvPr>
-            <p:ph idx="1"/>
-          </p:nvPr>
-        </p:nvSpPr>
-        <p:spPr/>
-        <p:txBody>
-          <a:bodyPr/>
-          <a:lstStyle/>
-          <a:p>
-            <a:r>
-              <a:rPr lang="en-US" dirty="0" smtClean="0"/>
-              <a:t>Definitions are mandatory</a:t>
-            </a:r>
-          </a:p>
-          <a:p>
-            <a:r>
-              <a:rPr lang="en-US" dirty="0" smtClean="0"/>
-              <a:t>Must not be tautological</a:t>
-            </a:r>
-          </a:p>
-          <a:p>
-            <a:r>
-              <a:rPr lang="en-US" dirty="0" smtClean="0"/>
-              <a:t>Should not be more than 1-2</a:t>
-            </a:r>
-            <a:r>
-              <a:rPr lang="en-US" baseline="0" dirty="0" smtClean="0"/>
-              <a:t> sentences</a:t>
-            </a:r>
-          </a:p>
-          <a:p>
-            <a:r>
-              <a:rPr lang="en-US" baseline="0" dirty="0" smtClean="0"/>
-              <a:t>Should describe what the element </a:t>
-            </a:r>
-            <a:r>
-              <a:rPr lang="en-US" b="1" baseline="0" dirty="0" smtClean="0"/>
-              <a:t>is</a:t>
-            </a:r>
-            <a:r>
-              <a:rPr lang="en-US" b="0" baseline="0" dirty="0" smtClean="0"/>
-              <a:t>, not what it is not</a:t>
-            </a:r>
-          </a:p>
-          <a:p>
-            <a:r>
-              <a:rPr lang="en-US" b="0" baseline="0" dirty="0" smtClean="0"/>
-              <a:t>Should not include rationale or usage notes</a:t>
-            </a:r>
-          </a:p>
-          <a:p>
-            <a:r>
-              <a:rPr lang="en-US" b="0" baseline="0" dirty="0" smtClean="0"/>
-              <a:t>Should be accompanied by 3+ examples</a:t>
+              <a:t>The “rules” are still in flux and will evolve based on initial development experience</a:t>
+            </a:r>
+          </a:p>
+          <a:p>
+            <a:r>
+              <a:rPr lang="en-US" dirty="0" smtClean="0"/>
+              <a:t>The base rules reflect the premises on which FHIR is based</a:t>
+            </a:r>
+          </a:p>
+          <a:p>
+            <a:pPr lvl="1"/>
+            <a:r>
+              <a:rPr lang="en-US" dirty="0" smtClean="0"/>
+              <a:t>see Introduction to FHIR presentation</a:t>
+            </a:r>
+          </a:p>
+          <a:p>
+            <a:r>
+              <a:rPr lang="en-US" dirty="0" smtClean="0"/>
+              <a:t>There are however a few that have been developed so far</a:t>
             </a:r>
           </a:p>
         </p:txBody>
@@ -6778,7 +7249,7 @@
     </p:spTree>
     <p:extLst>
       <p:ext uri="{BB962C8B-B14F-4D97-AF65-F5344CB8AC3E}">
-        <p14:creationId xmlns:p14="http://schemas.microsoft.com/office/powerpoint/2010/main" val="1604865025"/>
+        <p14:creationId xmlns:p14="http://schemas.microsoft.com/office/powerpoint/2010/main" val="2716087583"/>
       </p:ext>
     </p:extLst>
   </p:cSld>
@@ -6822,7 +7293,7 @@
           <a:p>
             <a:r>
               <a:rPr lang="en-US" dirty="0" smtClean="0"/>
-              <a:t>Others?</a:t>
+              <a:t>How do we define scope?</a:t>
             </a:r>
             <a:endParaRPr lang="en-CA" dirty="0"/>
           </a:p>
@@ -6844,25 +7315,64 @@
           <a:lstStyle/>
           <a:p>
             <a:r>
-              <a:rPr lang="en-US" dirty="0" err="1" smtClean="0">
-                <a:solidFill>
-                  <a:srgbClr val="FF3300"/>
-                </a:solidFill>
-              </a:rPr>
-              <a:t>Todo</a:t>
-            </a:r>
-            <a:endParaRPr lang="en-CA" dirty="0">
-              <a:solidFill>
-                <a:srgbClr val="FF3300"/>
-              </a:solidFill>
-            </a:endParaRPr>
+              <a:rPr lang="en-US" dirty="0" smtClean="0"/>
+              <a:t>Resources </a:t>
+            </a:r>
+            <a:r>
+              <a:rPr lang="en-US" b="1" dirty="0" smtClean="0"/>
+              <a:t>must not</a:t>
+            </a:r>
+            <a:r>
+              <a:rPr lang="en-US" b="0" dirty="0" smtClean="0"/>
+              <a:t> overlap</a:t>
+            </a:r>
+          </a:p>
+          <a:p>
+            <a:pPr lvl="1"/>
+            <a:r>
+              <a:rPr lang="en-US" dirty="0" smtClean="0"/>
+              <a:t>I.e. Given a clinical concept, there must be one (and only one) resource type that supports conveying that concept</a:t>
+            </a:r>
+          </a:p>
+          <a:p>
+            <a:pPr lvl="1"/>
+            <a:r>
+              <a:rPr lang="en-US" dirty="0" smtClean="0"/>
+              <a:t>Therefore, resource definitions must define clear boundaries between themselves and existing and expected resources</a:t>
+            </a:r>
+          </a:p>
+          <a:p>
+            <a:pPr lvl="0"/>
+            <a:r>
+              <a:rPr lang="en-US" dirty="0" smtClean="0"/>
+              <a:t>Should span all countries</a:t>
+            </a:r>
+          </a:p>
+          <a:p>
+            <a:pPr lvl="0"/>
+            <a:r>
+              <a:rPr lang="en-US" dirty="0" smtClean="0"/>
+              <a:t>Should span medical</a:t>
+            </a:r>
+            <a:r>
+              <a:rPr lang="en-US" baseline="0" dirty="0" smtClean="0"/>
+              <a:t> disciplines</a:t>
+            </a:r>
+          </a:p>
+          <a:p>
+            <a:pPr lvl="0"/>
+            <a:r>
+              <a:rPr lang="en-US" baseline="0" dirty="0" smtClean="0"/>
+              <a:t>Should usually even span human &amp; veterinary</a:t>
+            </a:r>
+            <a:endParaRPr lang="en-CA" dirty="0"/>
           </a:p>
         </p:txBody>
       </p:sp>
     </p:spTree>
     <p:extLst>
       <p:ext uri="{BB962C8B-B14F-4D97-AF65-F5344CB8AC3E}">
-        <p14:creationId xmlns:p14="http://schemas.microsoft.com/office/powerpoint/2010/main" val="2612835475"/>
+        <p14:creationId xmlns:p14="http://schemas.microsoft.com/office/powerpoint/2010/main" val="2247919599"/>
       </p:ext>
     </p:extLst>
   </p:cSld>
@@ -7023,7 +7533,7 @@
       </p:grpSpPr>
       <p:sp>
         <p:nvSpPr>
-          <p:cNvPr id="7" name="Title 6"/>
+          <p:cNvPr id="2" name="Title 1"/>
           <p:cNvSpPr>
             <a:spLocks noGrp="1"/>
           </p:cNvSpPr>
@@ -7033,21 +7543,80 @@
         </p:nvSpPr>
         <p:spPr/>
         <p:txBody>
-          <a:bodyPr/>
+          <a:bodyPr>
+            <a:normAutofit/>
+          </a:bodyPr>
           <a:lstStyle/>
           <a:p>
             <a:r>
               <a:rPr lang="en-US" dirty="0" smtClean="0"/>
-              <a:t>Next Steps</a:t>
+              <a:t>How do we decide 80-20?</a:t>
             </a:r>
             <a:endParaRPr lang="en-CA" dirty="0"/>
+          </a:p>
+        </p:txBody>
+      </p:sp>
+      <p:sp>
+        <p:nvSpPr>
+          <p:cNvPr id="3" name="Content Placeholder 2"/>
+          <p:cNvSpPr>
+            <a:spLocks noGrp="1"/>
+          </p:cNvSpPr>
+          <p:nvPr>
+            <p:ph idx="1"/>
+          </p:nvPr>
+        </p:nvSpPr>
+        <p:spPr/>
+        <p:txBody>
+          <a:bodyPr>
+            <a:normAutofit/>
+          </a:bodyPr>
+          <a:lstStyle/>
+          <a:p>
+            <a:r>
+              <a:rPr lang="en-US" dirty="0" smtClean="0"/>
+              <a:t>First, look to your scope</a:t>
+            </a:r>
+          </a:p>
+          <a:p>
+            <a:pPr lvl="1"/>
+            <a:r>
+              <a:rPr lang="en-US" dirty="0" smtClean="0"/>
+              <a:t>Do 80% of all the existing systems covered by your scope use the element?</a:t>
+            </a:r>
+          </a:p>
+          <a:p>
+            <a:pPr lvl="1"/>
+            <a:r>
+              <a:rPr lang="en-US" dirty="0" smtClean="0"/>
+              <a:t>If your spec isn’t in use yet, would you expect 80% of all implementers within your scope to use the element?</a:t>
+            </a:r>
+          </a:p>
+          <a:p>
+            <a:r>
+              <a:rPr lang="en-US" dirty="0" smtClean="0"/>
+              <a:t>Implementer = system responsible for maintaining that resource, not merely a system that references the resource</a:t>
+            </a:r>
+          </a:p>
+          <a:p>
+            <a:r>
+              <a:rPr lang="en-US" dirty="0" smtClean="0"/>
+              <a:t>If unsure, err on the side of non-core rather than core (i.e. not in the 80%)</a:t>
+            </a:r>
+          </a:p>
+          <a:p>
+            <a:pPr lvl="1"/>
+            <a:r>
+              <a:rPr lang="en-US" dirty="0" smtClean="0"/>
+              <a:t>We can always move things based on DSTU</a:t>
+            </a:r>
           </a:p>
         </p:txBody>
       </p:sp>
     </p:spTree>
     <p:extLst>
       <p:ext uri="{BB962C8B-B14F-4D97-AF65-F5344CB8AC3E}">
-        <p14:creationId xmlns:p14="http://schemas.microsoft.com/office/powerpoint/2010/main" val="3387416845"/>
+        <p14:creationId xmlns:p14="http://schemas.microsoft.com/office/powerpoint/2010/main" val="2357013649"/>
       </p:ext>
     </p:extLst>
   </p:cSld>
@@ -7093,7 +7662,7 @@
           <a:p>
             <a:r>
               <a:rPr lang="en-US" dirty="0" smtClean="0"/>
-              <a:t>Individual “to do” list</a:t>
+              <a:t>Element naming rules</a:t>
             </a:r>
             <a:endParaRPr lang="en-CA" dirty="0"/>
           </a:p>
@@ -7111,60 +7680,66 @@
         </p:nvSpPr>
         <p:spPr/>
         <p:txBody>
-          <a:bodyPr>
-            <a:normAutofit/>
-          </a:bodyPr>
+          <a:bodyPr/>
           <a:lstStyle/>
           <a:p>
             <a:r>
               <a:rPr lang="en-US" dirty="0" smtClean="0"/>
-              <a:t>Review the FHIR spec</a:t>
-            </a:r>
-          </a:p>
-          <a:p>
-            <a:pPr lvl="1"/>
-            <a:r>
-              <a:rPr lang="en-US" dirty="0" smtClean="0">
-                <a:hlinkClick r:id="rId2"/>
-              </a:rPr>
-              <a:t>http://www.hl7.org/fhir</a:t>
-            </a:r>
-            <a:endParaRPr lang="en-US" dirty="0" smtClean="0"/>
-          </a:p>
-          <a:p>
-            <a:r>
-              <a:rPr lang="en-US" dirty="0" smtClean="0"/>
-              <a:t>Provide feedback</a:t>
-            </a:r>
-          </a:p>
-          <a:p>
-            <a:r>
-              <a:rPr lang="en-US" dirty="0" smtClean="0"/>
-              <a:t>Contribute on wiki</a:t>
-            </a:r>
-          </a:p>
-          <a:p>
-            <a:pPr lvl="1"/>
-            <a:r>
-              <a:rPr lang="en-CA" dirty="0">
-                <a:hlinkClick r:id="rId3"/>
-              </a:rPr>
-              <a:t>http://</a:t>
-            </a:r>
-            <a:r>
-              <a:rPr lang="en-CA" dirty="0" smtClean="0">
-                <a:hlinkClick r:id="rId3"/>
-              </a:rPr>
-              <a:t>wiki.hl7.org/index.php?title=FHIR</a:t>
-            </a:r>
-            <a:endParaRPr lang="en-CA" dirty="0" smtClean="0"/>
+              <a:t>Element names are lower camel case</a:t>
+            </a:r>
+          </a:p>
+          <a:p>
+            <a:r>
+              <a:rPr lang="en-US" dirty="0" smtClean="0"/>
+              <a:t>U.S.</a:t>
+            </a:r>
+            <a:r>
+              <a:rPr lang="en-US" baseline="0" dirty="0" smtClean="0"/>
+              <a:t> English</a:t>
+            </a:r>
+          </a:p>
+          <a:p>
+            <a:r>
+              <a:rPr lang="en-US" baseline="0" dirty="0" smtClean="0"/>
+              <a:t>Reflect domain-friendly terminology as internationally as possible</a:t>
+            </a:r>
+          </a:p>
+          <a:p>
+            <a:r>
+              <a:rPr lang="en-US" baseline="0" dirty="0" smtClean="0"/>
+              <a:t>Are concise</a:t>
+            </a:r>
+          </a:p>
+          <a:p>
+            <a:r>
+              <a:rPr lang="en-US" baseline="0" dirty="0" smtClean="0"/>
+              <a:t>Avoid abbreviations unless obvious to </a:t>
+            </a:r>
+            <a:r>
+              <a:rPr lang="en-US" baseline="0" dirty="0" smtClean="0"/>
+              <a:t>non-domain </a:t>
+            </a:r>
+            <a:r>
+              <a:rPr lang="en-US" baseline="0" dirty="0" smtClean="0"/>
+              <a:t>experts</a:t>
+            </a:r>
+          </a:p>
+          <a:p>
+            <a:r>
+              <a:rPr lang="en-US" baseline="0" dirty="0" smtClean="0"/>
+              <a:t>Are </a:t>
+            </a:r>
+            <a:r>
+              <a:rPr lang="en-US" baseline="0" dirty="0" smtClean="0"/>
+              <a:t>consistent with other resources (where this doesn’t impact domain-friendliness)</a:t>
+            </a:r>
           </a:p>
         </p:txBody>
       </p:sp>
     </p:spTree>
     <p:extLst>
       <p:ext uri="{BB962C8B-B14F-4D97-AF65-F5344CB8AC3E}">
-        <p14:creationId xmlns:p14="http://schemas.microsoft.com/office/powerpoint/2010/main" val="4036149312"/>
+        <p14:creationId xmlns:p14="http://schemas.microsoft.com/office/powerpoint/2010/main" val="3075519286"/>
       </p:ext>
     </p:extLst>
   </p:cSld>
@@ -7208,7 +7783,7 @@
           <a:p>
             <a:r>
               <a:rPr lang="en-US" dirty="0" smtClean="0"/>
-              <a:t>Work Group “to do” list</a:t>
+              <a:t>Cardinality &amp; optionality</a:t>
             </a:r>
             <a:endParaRPr lang="en-CA" dirty="0"/>
           </a:p>
@@ -7231,41 +7806,29 @@
           <a:p>
             <a:r>
               <a:rPr lang="en-US" dirty="0" smtClean="0"/>
-              <a:t>Draft a PSS for your committee to work on your resources</a:t>
-            </a:r>
-          </a:p>
-          <a:p>
-            <a:r>
-              <a:rPr lang="en-US" dirty="0" smtClean="0"/>
-              <a:t>Submit resource requests for candidate resources</a:t>
-            </a:r>
-          </a:p>
-          <a:p>
-            <a:pPr lvl="1"/>
-            <a:r>
-              <a:rPr lang="en-US" dirty="0" smtClean="0"/>
-              <a:t>Form still in development</a:t>
-            </a:r>
-          </a:p>
-          <a:p>
-            <a:r>
-              <a:rPr lang="en-US" dirty="0" smtClean="0"/>
-              <a:t>Start designing</a:t>
-            </a:r>
-          </a:p>
-          <a:p>
-            <a:r>
-              <a:rPr lang="en-US" dirty="0" smtClean="0"/>
-              <a:t>Provide more feedback</a:t>
-            </a:r>
-            <a:endParaRPr lang="en-CA" dirty="0"/>
+              <a:t>Elements should only repeat if 80% of implementers will need repetitions</a:t>
+            </a:r>
+          </a:p>
+          <a:p>
+            <a:r>
+              <a:rPr lang="en-US" dirty="0" smtClean="0"/>
+              <a:t>Elements should only be </a:t>
+            </a:r>
+            <a:r>
+              <a:rPr lang="en-US" dirty="0" smtClean="0"/>
+              <a:t>“mandatory” </a:t>
+            </a:r>
+            <a:r>
+              <a:rPr lang="en-US" dirty="0" smtClean="0"/>
+              <a:t>if the resource would be unusable without the data element present</a:t>
+            </a:r>
           </a:p>
         </p:txBody>
       </p:sp>
     </p:spTree>
     <p:extLst>
       <p:ext uri="{BB962C8B-B14F-4D97-AF65-F5344CB8AC3E}">
-        <p14:creationId xmlns:p14="http://schemas.microsoft.com/office/powerpoint/2010/main" val="1941167758"/>
+        <p14:creationId xmlns:p14="http://schemas.microsoft.com/office/powerpoint/2010/main" val="2464548096"/>
       </p:ext>
     </p:extLst>
   </p:cSld>
@@ -7309,7 +7872,7 @@
           <a:p>
             <a:r>
               <a:rPr lang="en-US" dirty="0" smtClean="0"/>
-              <a:t>FHIR this week</a:t>
+              <a:t>Mappings</a:t>
             </a:r>
             <a:endParaRPr lang="en-CA" dirty="0"/>
           </a:p>
@@ -7332,42 +7895,33 @@
           <a:p>
             <a:r>
               <a:rPr lang="en-US" dirty="0" smtClean="0"/>
-              <a:t>Several quarters scheduled for FHIR-related topics, including:</a:t>
+              <a:t>HL7 v3 mappings are mandatory</a:t>
             </a:r>
           </a:p>
           <a:p>
             <a:pPr lvl="1"/>
             <a:r>
-              <a:rPr lang="en-US" dirty="0" smtClean="0">
-                <a:solidFill>
-                  <a:srgbClr val="FF3300"/>
-                </a:solidFill>
-              </a:rPr>
-              <a:t>Grahame to fill in what you know</a:t>
-            </a:r>
-          </a:p>
-          <a:p>
-            <a:pPr lvl="1"/>
-            <a:r>
-              <a:rPr lang="en-US" dirty="0" smtClean="0">
-                <a:solidFill>
-                  <a:srgbClr val="FF3300"/>
-                </a:solidFill>
-              </a:rPr>
-              <a:t>(should probably copy this to other presentation too)</a:t>
-            </a:r>
-            <a:endParaRPr lang="en-CA" dirty="0">
-              <a:solidFill>
-                <a:srgbClr val="FF3300"/>
-              </a:solidFill>
-            </a:endParaRPr>
+              <a:rPr lang="en-US" dirty="0" smtClean="0"/>
+              <a:t>Syntax is still being finalized, but it will be x-path like</a:t>
+            </a:r>
+          </a:p>
+          <a:p>
+            <a:pPr lvl="0"/>
+            <a:r>
+              <a:rPr lang="en-US" dirty="0" smtClean="0"/>
+              <a:t>HL7 v2 mappings are </a:t>
+            </a:r>
+            <a:r>
+              <a:rPr lang="en-US" b="0" dirty="0" smtClean="0"/>
+              <a:t>mandatory if the resource has a corresponding construct in v2</a:t>
+            </a:r>
           </a:p>
         </p:txBody>
       </p:sp>
     </p:spTree>
     <p:extLst>
       <p:ext uri="{BB962C8B-B14F-4D97-AF65-F5344CB8AC3E}">
-        <p14:creationId xmlns:p14="http://schemas.microsoft.com/office/powerpoint/2010/main" val="9171523"/>
+        <p14:creationId xmlns:p14="http://schemas.microsoft.com/office/powerpoint/2010/main" val="3088086558"/>
       </p:ext>
     </p:extLst>
   </p:cSld>
@@ -7410,10 +7964,10 @@
           <a:lstStyle/>
           <a:p>
             <a:r>
-              <a:rPr lang="en-AU" dirty="0" smtClean="0"/>
-              <a:t>Contacts</a:t>
-            </a:r>
-            <a:endParaRPr lang="en-AU" dirty="0"/>
+              <a:rPr lang="en-US" dirty="0" smtClean="0"/>
+              <a:t>Definitions</a:t>
+            </a:r>
+            <a:endParaRPr lang="en-CA" dirty="0"/>
           </a:p>
         </p:txBody>
       </p:sp>
@@ -7433,98 +7987,517 @@
           <a:lstStyle/>
           <a:p>
             <a:r>
-              <a:rPr lang="en-AU" dirty="0" smtClean="0"/>
-              <a:t>FHIR Mailing list:</a:t>
-            </a:r>
-            <a:br>
-              <a:rPr lang="en-AU" dirty="0" smtClean="0"/>
-            </a:br>
-            <a:r>
-              <a:rPr lang="en-AU" dirty="0" smtClean="0">
-                <a:hlinkClick r:id="rId2"/>
-              </a:rPr>
-              <a:t>fhir@lists.hl7.org</a:t>
-            </a:r>
-            <a:endParaRPr lang="en-AU" dirty="0" smtClean="0"/>
-          </a:p>
-          <a:p>
-            <a:endParaRPr lang="en-AU" sz="1200" dirty="0" smtClean="0"/>
-          </a:p>
-          <a:p>
-            <a:r>
-              <a:rPr lang="en-AU" dirty="0" smtClean="0"/>
-              <a:t>Grahame: </a:t>
-            </a:r>
-            <a:br>
-              <a:rPr lang="en-AU" dirty="0" smtClean="0"/>
-            </a:br>
-            <a:r>
-              <a:rPr lang="en-AU" dirty="0" smtClean="0">
-                <a:hlinkClick r:id="rId3"/>
-              </a:rPr>
-              <a:t>grahame@healthintersections.com.au</a:t>
-            </a:r>
-            <a:endParaRPr lang="en-AU" dirty="0" smtClean="0"/>
-          </a:p>
-          <a:p>
-            <a:endParaRPr lang="en-AU" dirty="0" smtClean="0"/>
-          </a:p>
-          <a:p>
-            <a:r>
-              <a:rPr lang="en-AU" dirty="0" err="1" smtClean="0"/>
-              <a:t>Ewout</a:t>
-            </a:r>
-            <a:r>
-              <a:rPr lang="en-AU" dirty="0" smtClean="0"/>
-              <a:t>:</a:t>
-            </a:r>
-            <a:r>
-              <a:rPr lang="en-AU" dirty="0"/>
-              <a:t/>
-            </a:r>
-            <a:br>
-              <a:rPr lang="en-AU" dirty="0"/>
-            </a:br>
-            <a:r>
-              <a:rPr lang="en-AU" dirty="0" smtClean="0">
-                <a:hlinkClick r:id="rId4"/>
-              </a:rPr>
-              <a:t>e.kramer@furore.com</a:t>
-            </a:r>
-            <a:endParaRPr lang="en-AU" dirty="0" smtClean="0"/>
-          </a:p>
-          <a:p>
-            <a:endParaRPr lang="en-AU" dirty="0" smtClean="0"/>
-          </a:p>
-          <a:p>
-            <a:r>
-              <a:rPr lang="en-AU" dirty="0" smtClean="0"/>
-              <a:t>Lloyd:</a:t>
-            </a:r>
-            <a:r>
-              <a:rPr lang="en-AU" dirty="0"/>
-              <a:t/>
-            </a:r>
-            <a:br>
-              <a:rPr lang="en-AU" dirty="0"/>
-            </a:br>
-            <a:r>
-              <a:rPr lang="en-AU" dirty="0" smtClean="0">
-                <a:hlinkClick r:id="rId5"/>
-              </a:rPr>
-              <a:t>lloyd@lmckenzie.com</a:t>
-            </a:r>
-            <a:endParaRPr lang="en-AU" dirty="0" smtClean="0"/>
-          </a:p>
-          <a:p>
-            <a:endParaRPr lang="en-AU" dirty="0" smtClean="0"/>
+              <a:rPr lang="en-US" dirty="0" smtClean="0"/>
+              <a:t>Definitions are mandatory</a:t>
+            </a:r>
+          </a:p>
+          <a:p>
+            <a:r>
+              <a:rPr lang="en-US" dirty="0" smtClean="0"/>
+              <a:t>Must not be tautological</a:t>
+            </a:r>
+          </a:p>
+          <a:p>
+            <a:r>
+              <a:rPr lang="en-US" dirty="0" smtClean="0"/>
+              <a:t>Should not be more than 1-2</a:t>
+            </a:r>
+            <a:r>
+              <a:rPr lang="en-US" baseline="0" dirty="0" smtClean="0"/>
+              <a:t> sentences</a:t>
+            </a:r>
+          </a:p>
+          <a:p>
+            <a:r>
+              <a:rPr lang="en-US" baseline="0" dirty="0" smtClean="0"/>
+              <a:t>Should describe what the element </a:t>
+            </a:r>
+            <a:r>
+              <a:rPr lang="en-US" b="1" baseline="0" dirty="0" smtClean="0"/>
+              <a:t>is</a:t>
+            </a:r>
+            <a:r>
+              <a:rPr lang="en-US" b="0" baseline="0" dirty="0" smtClean="0"/>
+              <a:t>, not what it is not</a:t>
+            </a:r>
+          </a:p>
+          <a:p>
+            <a:r>
+              <a:rPr lang="en-US" b="0" baseline="0" dirty="0" smtClean="0"/>
+              <a:t>Should not include rationale or usage </a:t>
+            </a:r>
+            <a:r>
+              <a:rPr lang="en-US" b="0" baseline="0" dirty="0" smtClean="0"/>
+              <a:t>notes (other slots for these)</a:t>
+            </a:r>
+            <a:endParaRPr lang="en-US" b="0" baseline="0" dirty="0" smtClean="0"/>
+          </a:p>
+          <a:p>
+            <a:r>
+              <a:rPr lang="en-US" b="0" baseline="0" dirty="0" smtClean="0"/>
+              <a:t>Should be accompanied by 3+ </a:t>
+            </a:r>
+            <a:r>
+              <a:rPr lang="en-US" b="0" baseline="0" dirty="0" smtClean="0"/>
+              <a:t>examples </a:t>
+            </a:r>
+            <a:r>
+              <a:rPr lang="en-US" b="0" i="1" baseline="0" dirty="0" smtClean="0"/>
+              <a:t>(Lloyd has a dream!)</a:t>
+            </a:r>
+            <a:endParaRPr lang="en-US" b="0" i="1" baseline="0" dirty="0" smtClean="0"/>
           </a:p>
         </p:txBody>
       </p:sp>
     </p:spTree>
     <p:extLst>
       <p:ext uri="{BB962C8B-B14F-4D97-AF65-F5344CB8AC3E}">
-        <p14:creationId xmlns:p14="http://schemas.microsoft.com/office/powerpoint/2010/main" val="737052724"/>
+        <p14:creationId xmlns:p14="http://schemas.microsoft.com/office/powerpoint/2010/main" val="1604865025"/>
+      </p:ext>
+    </p:extLst>
+  </p:cSld>
+  <p:clrMapOvr>
+    <a:masterClrMapping/>
+  </p:clrMapOvr>
+</p:sld>
+</file>
+
+<file path=ppt/slides/slide35.xml><?xml version="1.0" encoding="utf-8"?>
+<p:sld xmlns:a="http://schemas.openxmlformats.org/drawingml/2006/main" xmlns:r="http://schemas.openxmlformats.org/officeDocument/2006/relationships" xmlns:p="http://schemas.openxmlformats.org/presentationml/2006/main">
+  <p:cSld>
+    <p:spTree>
+      <p:nvGrpSpPr>
+        <p:cNvPr id="1" name=""/>
+        <p:cNvGrpSpPr/>
+        <p:nvPr/>
+      </p:nvGrpSpPr>
+      <p:grpSpPr>
+        <a:xfrm>
+          <a:off x="0" y="0"/>
+          <a:ext cx="0" cy="0"/>
+          <a:chOff x="0" y="0"/>
+          <a:chExt cx="0" cy="0"/>
+        </a:xfrm>
+      </p:grpSpPr>
+      <p:sp>
+        <p:nvSpPr>
+          <p:cNvPr id="2" name="Title 1"/>
+          <p:cNvSpPr>
+            <a:spLocks noGrp="1"/>
+          </p:cNvSpPr>
+          <p:nvPr>
+            <p:ph type="title"/>
+          </p:nvPr>
+        </p:nvSpPr>
+        <p:spPr/>
+        <p:txBody>
+          <a:bodyPr/>
+          <a:lstStyle/>
+          <a:p>
+            <a:r>
+              <a:rPr lang="en-AU" dirty="0" smtClean="0"/>
+              <a:t>More rules</a:t>
+            </a:r>
+            <a:endParaRPr lang="en-AU" dirty="0"/>
+          </a:p>
+        </p:txBody>
+      </p:sp>
+      <p:sp>
+        <p:nvSpPr>
+          <p:cNvPr id="3" name="Content Placeholder 2"/>
+          <p:cNvSpPr>
+            <a:spLocks noGrp="1"/>
+          </p:cNvSpPr>
+          <p:nvPr>
+            <p:ph idx="1"/>
+          </p:nvPr>
+        </p:nvSpPr>
+        <p:spPr/>
+        <p:txBody>
+          <a:bodyPr/>
+          <a:lstStyle/>
+          <a:p>
+            <a:r>
+              <a:rPr lang="en-AU" dirty="0" smtClean="0"/>
+              <a:t>Will be defined as we go along…</a:t>
+            </a:r>
+            <a:endParaRPr lang="en-AU" dirty="0"/>
+          </a:p>
+        </p:txBody>
+      </p:sp>
+    </p:spTree>
+    <p:extLst>
+      <p:ext uri="{BB962C8B-B14F-4D97-AF65-F5344CB8AC3E}">
+        <p14:creationId xmlns:p14="http://schemas.microsoft.com/office/powerpoint/2010/main" val="608255656"/>
+      </p:ext>
+    </p:extLst>
+  </p:cSld>
+  <p:clrMapOvr>
+    <a:masterClrMapping/>
+  </p:clrMapOvr>
+</p:sld>
+</file>
+
+<file path=ppt/slides/slide36.xml><?xml version="1.0" encoding="utf-8"?>
+<p:sld xmlns:a="http://schemas.openxmlformats.org/drawingml/2006/main" xmlns:r="http://schemas.openxmlformats.org/officeDocument/2006/relationships" xmlns:p="http://schemas.openxmlformats.org/presentationml/2006/main">
+  <p:cSld>
+    <p:spTree>
+      <p:nvGrpSpPr>
+        <p:cNvPr id="1" name=""/>
+        <p:cNvGrpSpPr/>
+        <p:nvPr/>
+      </p:nvGrpSpPr>
+      <p:grpSpPr>
+        <a:xfrm>
+          <a:off x="0" y="0"/>
+          <a:ext cx="0" cy="0"/>
+          <a:chOff x="0" y="0"/>
+          <a:chExt cx="0" cy="0"/>
+        </a:xfrm>
+      </p:grpSpPr>
+      <p:sp>
+        <p:nvSpPr>
+          <p:cNvPr id="7" name="Title 6"/>
+          <p:cNvSpPr>
+            <a:spLocks noGrp="1"/>
+          </p:cNvSpPr>
+          <p:nvPr>
+            <p:ph type="title"/>
+          </p:nvPr>
+        </p:nvSpPr>
+        <p:spPr/>
+        <p:txBody>
+          <a:bodyPr/>
+          <a:lstStyle/>
+          <a:p>
+            <a:r>
+              <a:rPr lang="en-US" dirty="0" smtClean="0"/>
+              <a:t>Next Steps</a:t>
+            </a:r>
+            <a:endParaRPr lang="en-CA" dirty="0"/>
+          </a:p>
+        </p:txBody>
+      </p:sp>
+    </p:spTree>
+    <p:extLst>
+      <p:ext uri="{BB962C8B-B14F-4D97-AF65-F5344CB8AC3E}">
+        <p14:creationId xmlns:p14="http://schemas.microsoft.com/office/powerpoint/2010/main" val="3387416845"/>
+      </p:ext>
+    </p:extLst>
+  </p:cSld>
+  <p:clrMapOvr>
+    <a:masterClrMapping/>
+  </p:clrMapOvr>
+</p:sld>
+</file>
+
+<file path=ppt/slides/slide37.xml><?xml version="1.0" encoding="utf-8"?>
+<p:sld xmlns:a="http://schemas.openxmlformats.org/drawingml/2006/main" xmlns:r="http://schemas.openxmlformats.org/officeDocument/2006/relationships" xmlns:p="http://schemas.openxmlformats.org/presentationml/2006/main">
+  <p:cSld>
+    <p:spTree>
+      <p:nvGrpSpPr>
+        <p:cNvPr id="1" name=""/>
+        <p:cNvGrpSpPr/>
+        <p:nvPr/>
+      </p:nvGrpSpPr>
+      <p:grpSpPr>
+        <a:xfrm>
+          <a:off x="0" y="0"/>
+          <a:ext cx="0" cy="0"/>
+          <a:chOff x="0" y="0"/>
+          <a:chExt cx="0" cy="0"/>
+        </a:xfrm>
+      </p:grpSpPr>
+      <p:sp>
+        <p:nvSpPr>
+          <p:cNvPr id="2" name="Title 1"/>
+          <p:cNvSpPr>
+            <a:spLocks noGrp="1"/>
+          </p:cNvSpPr>
+          <p:nvPr>
+            <p:ph type="title"/>
+          </p:nvPr>
+        </p:nvSpPr>
+        <p:spPr/>
+        <p:txBody>
+          <a:bodyPr>
+            <a:normAutofit/>
+          </a:bodyPr>
+          <a:lstStyle/>
+          <a:p>
+            <a:r>
+              <a:rPr lang="en-US" dirty="0" smtClean="0"/>
+              <a:t>Individual “to do” list</a:t>
+            </a:r>
+            <a:endParaRPr lang="en-CA" dirty="0"/>
+          </a:p>
+        </p:txBody>
+      </p:sp>
+      <p:sp>
+        <p:nvSpPr>
+          <p:cNvPr id="3" name="Content Placeholder 2"/>
+          <p:cNvSpPr>
+            <a:spLocks noGrp="1"/>
+          </p:cNvSpPr>
+          <p:nvPr>
+            <p:ph idx="1"/>
+          </p:nvPr>
+        </p:nvSpPr>
+        <p:spPr/>
+        <p:txBody>
+          <a:bodyPr>
+            <a:normAutofit/>
+          </a:bodyPr>
+          <a:lstStyle/>
+          <a:p>
+            <a:r>
+              <a:rPr lang="en-US" dirty="0" smtClean="0"/>
+              <a:t>Review the FHIR spec</a:t>
+            </a:r>
+          </a:p>
+          <a:p>
+            <a:pPr lvl="1"/>
+            <a:r>
+              <a:rPr lang="en-US" dirty="0" smtClean="0">
+                <a:hlinkClick r:id="rId2"/>
+              </a:rPr>
+              <a:t>http://www.hl7.org/fhir</a:t>
+            </a:r>
+            <a:endParaRPr lang="en-US" dirty="0" smtClean="0"/>
+          </a:p>
+          <a:p>
+            <a:r>
+              <a:rPr lang="en-US" dirty="0" smtClean="0"/>
+              <a:t>Provide feedback</a:t>
+            </a:r>
+          </a:p>
+          <a:p>
+            <a:r>
+              <a:rPr lang="en-US" dirty="0" smtClean="0"/>
+              <a:t>Contribute on wiki</a:t>
+            </a:r>
+          </a:p>
+          <a:p>
+            <a:pPr lvl="1"/>
+            <a:r>
+              <a:rPr lang="en-CA" dirty="0">
+                <a:hlinkClick r:id="rId3"/>
+              </a:rPr>
+              <a:t>http://</a:t>
+            </a:r>
+            <a:r>
+              <a:rPr lang="en-CA" dirty="0" smtClean="0">
+                <a:hlinkClick r:id="rId3"/>
+              </a:rPr>
+              <a:t>wiki.hl7.org/index.php?title=FHIR</a:t>
+            </a:r>
+            <a:endParaRPr lang="en-CA" dirty="0" smtClean="0"/>
+          </a:p>
+        </p:txBody>
+      </p:sp>
+    </p:spTree>
+    <p:extLst>
+      <p:ext uri="{BB962C8B-B14F-4D97-AF65-F5344CB8AC3E}">
+        <p14:creationId xmlns:p14="http://schemas.microsoft.com/office/powerpoint/2010/main" val="4036149312"/>
+      </p:ext>
+    </p:extLst>
+  </p:cSld>
+  <p:clrMapOvr>
+    <a:masterClrMapping/>
+  </p:clrMapOvr>
+</p:sld>
+</file>
+
+<file path=ppt/slides/slide38.xml><?xml version="1.0" encoding="utf-8"?>
+<p:sld xmlns:a="http://schemas.openxmlformats.org/drawingml/2006/main" xmlns:r="http://schemas.openxmlformats.org/officeDocument/2006/relationships" xmlns:p="http://schemas.openxmlformats.org/presentationml/2006/main">
+  <p:cSld>
+    <p:spTree>
+      <p:nvGrpSpPr>
+        <p:cNvPr id="1" name=""/>
+        <p:cNvGrpSpPr/>
+        <p:nvPr/>
+      </p:nvGrpSpPr>
+      <p:grpSpPr>
+        <a:xfrm>
+          <a:off x="0" y="0"/>
+          <a:ext cx="0" cy="0"/>
+          <a:chOff x="0" y="0"/>
+          <a:chExt cx="0" cy="0"/>
+        </a:xfrm>
+      </p:grpSpPr>
+      <p:sp>
+        <p:nvSpPr>
+          <p:cNvPr id="2" name="Title 1"/>
+          <p:cNvSpPr>
+            <a:spLocks noGrp="1"/>
+          </p:cNvSpPr>
+          <p:nvPr>
+            <p:ph type="title"/>
+          </p:nvPr>
+        </p:nvSpPr>
+        <p:spPr/>
+        <p:txBody>
+          <a:bodyPr/>
+          <a:lstStyle/>
+          <a:p>
+            <a:r>
+              <a:rPr lang="en-US" dirty="0" smtClean="0"/>
+              <a:t>Work Group “to do” list</a:t>
+            </a:r>
+            <a:endParaRPr lang="en-CA" dirty="0"/>
+          </a:p>
+        </p:txBody>
+      </p:sp>
+      <p:sp>
+        <p:nvSpPr>
+          <p:cNvPr id="3" name="Content Placeholder 2"/>
+          <p:cNvSpPr>
+            <a:spLocks noGrp="1"/>
+          </p:cNvSpPr>
+          <p:nvPr>
+            <p:ph idx="1"/>
+          </p:nvPr>
+        </p:nvSpPr>
+        <p:spPr/>
+        <p:txBody>
+          <a:bodyPr/>
+          <a:lstStyle/>
+          <a:p>
+            <a:r>
+              <a:rPr lang="en-US" dirty="0" smtClean="0"/>
+              <a:t>Draft a PSS for your committee to work on your resources</a:t>
+            </a:r>
+          </a:p>
+          <a:p>
+            <a:r>
+              <a:rPr lang="en-US" dirty="0" smtClean="0"/>
+              <a:t>Submit resource requests for candidate resources</a:t>
+            </a:r>
+          </a:p>
+          <a:p>
+            <a:pPr lvl="1"/>
+            <a:r>
+              <a:rPr lang="en-US" dirty="0" smtClean="0"/>
+              <a:t>Form still in development</a:t>
+            </a:r>
+          </a:p>
+          <a:p>
+            <a:r>
+              <a:rPr lang="en-US" dirty="0" smtClean="0"/>
+              <a:t>Start designing</a:t>
+            </a:r>
+          </a:p>
+          <a:p>
+            <a:r>
+              <a:rPr lang="en-US" dirty="0" smtClean="0"/>
+              <a:t>Provide more feedback</a:t>
+            </a:r>
+            <a:endParaRPr lang="en-CA" dirty="0"/>
+          </a:p>
+        </p:txBody>
+      </p:sp>
+    </p:spTree>
+    <p:extLst>
+      <p:ext uri="{BB962C8B-B14F-4D97-AF65-F5344CB8AC3E}">
+        <p14:creationId xmlns:p14="http://schemas.microsoft.com/office/powerpoint/2010/main" val="1941167758"/>
+      </p:ext>
+    </p:extLst>
+  </p:cSld>
+  <p:clrMapOvr>
+    <a:masterClrMapping/>
+  </p:clrMapOvr>
+</p:sld>
+</file>
+
+<file path=ppt/slides/slide39.xml><?xml version="1.0" encoding="utf-8"?>
+<p:sld xmlns:a="http://schemas.openxmlformats.org/drawingml/2006/main" xmlns:r="http://schemas.openxmlformats.org/officeDocument/2006/relationships" xmlns:p="http://schemas.openxmlformats.org/presentationml/2006/main">
+  <p:cSld>
+    <p:spTree>
+      <p:nvGrpSpPr>
+        <p:cNvPr id="1" name=""/>
+        <p:cNvGrpSpPr/>
+        <p:nvPr/>
+      </p:nvGrpSpPr>
+      <p:grpSpPr>
+        <a:xfrm>
+          <a:off x="0" y="0"/>
+          <a:ext cx="0" cy="0"/>
+          <a:chOff x="0" y="0"/>
+          <a:chExt cx="0" cy="0"/>
+        </a:xfrm>
+      </p:grpSpPr>
+      <p:sp>
+        <p:nvSpPr>
+          <p:cNvPr id="2" name="Title 1"/>
+          <p:cNvSpPr>
+            <a:spLocks noGrp="1"/>
+          </p:cNvSpPr>
+          <p:nvPr>
+            <p:ph type="title"/>
+          </p:nvPr>
+        </p:nvSpPr>
+        <p:spPr/>
+        <p:txBody>
+          <a:bodyPr/>
+          <a:lstStyle/>
+          <a:p>
+            <a:r>
+              <a:rPr lang="en-US" dirty="0" smtClean="0"/>
+              <a:t>FHIR this week</a:t>
+            </a:r>
+            <a:endParaRPr lang="en-CA" dirty="0"/>
+          </a:p>
+        </p:txBody>
+      </p:sp>
+      <p:sp>
+        <p:nvSpPr>
+          <p:cNvPr id="3" name="Content Placeholder 2"/>
+          <p:cNvSpPr>
+            <a:spLocks noGrp="1"/>
+          </p:cNvSpPr>
+          <p:nvPr>
+            <p:ph idx="1"/>
+          </p:nvPr>
+        </p:nvSpPr>
+        <p:spPr/>
+        <p:txBody>
+          <a:bodyPr/>
+          <a:lstStyle/>
+          <a:p>
+            <a:r>
+              <a:rPr lang="en-US" dirty="0" smtClean="0"/>
+              <a:t>Several quarters scheduled for FHIR-related topics, including:</a:t>
+            </a:r>
+          </a:p>
+          <a:p>
+            <a:pPr lvl="1"/>
+            <a:r>
+              <a:rPr lang="en-US" dirty="0" smtClean="0"/>
+              <a:t>ITS: XML, JSON, REST -  Wed Q1-Q2</a:t>
+            </a:r>
+          </a:p>
+          <a:p>
+            <a:pPr lvl="1"/>
+            <a:r>
+              <a:rPr lang="en-US" dirty="0" smtClean="0"/>
+              <a:t>RIMBAA: - Architecture of resources, example implementations  Thurs Q1</a:t>
+            </a:r>
+            <a:endParaRPr lang="en-US" dirty="0" smtClean="0"/>
+          </a:p>
+          <a:p>
+            <a:pPr lvl="1"/>
+            <a:r>
+              <a:rPr lang="en-CA" dirty="0" smtClean="0"/>
+              <a:t>Others TBA</a:t>
+            </a:r>
+            <a:endParaRPr lang="en-CA" dirty="0"/>
+          </a:p>
+        </p:txBody>
+      </p:sp>
+    </p:spTree>
+    <p:extLst>
+      <p:ext uri="{BB962C8B-B14F-4D97-AF65-F5344CB8AC3E}">
+        <p14:creationId xmlns:p14="http://schemas.microsoft.com/office/powerpoint/2010/main" val="9171523"/>
       </p:ext>
     </p:extLst>
   </p:cSld>
@@ -7631,6 +8604,163 @@
       </p:par>
     </p:tnLst>
   </p:timing>
+</p:sld>
+</file>
+
+<file path=ppt/slides/slide40.xml><?xml version="1.0" encoding="utf-8"?>
+<p:sld xmlns:a="http://schemas.openxmlformats.org/drawingml/2006/main" xmlns:r="http://schemas.openxmlformats.org/officeDocument/2006/relationships" xmlns:p="http://schemas.openxmlformats.org/presentationml/2006/main">
+  <p:cSld>
+    <p:spTree>
+      <p:nvGrpSpPr>
+        <p:cNvPr id="1" name=""/>
+        <p:cNvGrpSpPr/>
+        <p:nvPr/>
+      </p:nvGrpSpPr>
+      <p:grpSpPr>
+        <a:xfrm>
+          <a:off x="0" y="0"/>
+          <a:ext cx="0" cy="0"/>
+          <a:chOff x="0" y="0"/>
+          <a:chExt cx="0" cy="0"/>
+        </a:xfrm>
+      </p:grpSpPr>
+      <p:sp>
+        <p:nvSpPr>
+          <p:cNvPr id="2" name="Title 1"/>
+          <p:cNvSpPr>
+            <a:spLocks noGrp="1"/>
+          </p:cNvSpPr>
+          <p:nvPr>
+            <p:ph type="title"/>
+          </p:nvPr>
+        </p:nvSpPr>
+        <p:spPr/>
+        <p:txBody>
+          <a:bodyPr/>
+          <a:lstStyle/>
+          <a:p>
+            <a:r>
+              <a:rPr lang="en-AU" dirty="0" smtClean="0"/>
+              <a:t>Contacts</a:t>
+            </a:r>
+            <a:endParaRPr lang="en-AU" dirty="0"/>
+          </a:p>
+        </p:txBody>
+      </p:sp>
+      <p:sp>
+        <p:nvSpPr>
+          <p:cNvPr id="3" name="Content Placeholder 2"/>
+          <p:cNvSpPr>
+            <a:spLocks noGrp="1"/>
+          </p:cNvSpPr>
+          <p:nvPr>
+            <p:ph idx="1"/>
+          </p:nvPr>
+        </p:nvSpPr>
+        <p:spPr/>
+        <p:txBody>
+          <a:bodyPr/>
+          <a:lstStyle/>
+          <a:p>
+            <a:r>
+              <a:rPr lang="en-AU" dirty="0" smtClean="0"/>
+              <a:t>FHIR Mailing list:</a:t>
+            </a:r>
+            <a:br>
+              <a:rPr lang="en-AU" dirty="0" smtClean="0"/>
+            </a:br>
+            <a:r>
+              <a:rPr lang="en-AU" dirty="0" smtClean="0">
+                <a:hlinkClick r:id="rId2"/>
+              </a:rPr>
+              <a:t>fhir@lists.hl7.org</a:t>
+            </a:r>
+            <a:endParaRPr lang="en-AU" dirty="0" smtClean="0"/>
+          </a:p>
+          <a:p>
+            <a:endParaRPr lang="en-AU" sz="1200" dirty="0" smtClean="0"/>
+          </a:p>
+          <a:p>
+            <a:r>
+              <a:rPr lang="en-AU" dirty="0" smtClean="0"/>
+              <a:t>Grahame: </a:t>
+            </a:r>
+            <a:br>
+              <a:rPr lang="en-AU" dirty="0" smtClean="0"/>
+            </a:br>
+            <a:r>
+              <a:rPr lang="en-AU" dirty="0" smtClean="0">
+                <a:hlinkClick r:id="rId3"/>
+              </a:rPr>
+              <a:t>grahame@healthintersections.com.au</a:t>
+            </a:r>
+            <a:endParaRPr lang="en-AU" dirty="0" smtClean="0"/>
+          </a:p>
+          <a:p>
+            <a:endParaRPr lang="en-AU" dirty="0" smtClean="0"/>
+          </a:p>
+          <a:p>
+            <a:r>
+              <a:rPr lang="en-AU" dirty="0" err="1" smtClean="0"/>
+              <a:t>Ewout</a:t>
+            </a:r>
+            <a:r>
+              <a:rPr lang="en-AU" dirty="0" smtClean="0"/>
+              <a:t>:</a:t>
+            </a:r>
+            <a:r>
+              <a:rPr lang="en-AU" dirty="0"/>
+              <a:t/>
+            </a:r>
+            <a:br>
+              <a:rPr lang="en-AU" dirty="0"/>
+            </a:br>
+            <a:r>
+              <a:rPr lang="en-AU" dirty="0" smtClean="0">
+                <a:hlinkClick r:id="rId4"/>
+              </a:rPr>
+              <a:t>e.kramer@furore.com</a:t>
+            </a:r>
+            <a:endParaRPr lang="en-AU" dirty="0" smtClean="0"/>
+          </a:p>
+          <a:p>
+            <a:endParaRPr lang="en-AU" dirty="0" smtClean="0"/>
+          </a:p>
+          <a:p>
+            <a:r>
+              <a:rPr lang="en-AU" dirty="0" smtClean="0"/>
+              <a:t>Lloyd:</a:t>
+            </a:r>
+            <a:r>
+              <a:rPr lang="en-AU" dirty="0"/>
+              <a:t/>
+            </a:r>
+            <a:br>
+              <a:rPr lang="en-AU" dirty="0"/>
+            </a:br>
+            <a:r>
+              <a:rPr lang="en-AU" dirty="0" smtClean="0">
+                <a:hlinkClick r:id="rId5"/>
+              </a:rPr>
+              <a:t>lloyd@lmckenzie.com</a:t>
+            </a:r>
+            <a:endParaRPr lang="en-AU" dirty="0" smtClean="0"/>
+          </a:p>
+          <a:p>
+            <a:endParaRPr lang="en-AU" dirty="0" smtClean="0"/>
+          </a:p>
+        </p:txBody>
+      </p:sp>
+    </p:spTree>
+    <p:extLst>
+      <p:ext uri="{BB962C8B-B14F-4D97-AF65-F5344CB8AC3E}">
+        <p14:creationId xmlns:p14="http://schemas.microsoft.com/office/powerpoint/2010/main" val="737052724"/>
+      </p:ext>
+    </p:extLst>
+  </p:cSld>
+  <p:clrMapOvr>
+    <a:masterClrMapping/>
+  </p:clrMapOvr>
 </p:sld>
 </file>
 
@@ -7777,7 +8907,6 @@
               <a:rPr lang="en-US" dirty="0" smtClean="0"/>
               <a:t>Everything else is handled by extensions</a:t>
             </a:r>
-            <a:endParaRPr lang="en-US" dirty="0" smtClean="0"/>
           </a:p>
         </p:txBody>
       </p:sp>
@@ -8001,7 +9130,7 @@
         <p:spPr/>
         <p:txBody>
           <a:bodyPr>
-            <a:normAutofit fontScale="90000"/>
+            <a:normAutofit/>
           </a:bodyPr>
           <a:lstStyle/>
           <a:p>

--- a/presentations/2012-May WGM Tutorials/201205 WGM Building with FHIR.pptx
+++ b/presentations/2012-May WGM Tutorials/201205 WGM Building with FHIR.pptx
@@ -160,6 +160,15 @@
   <p:cm authorId="1" dt="2012-04-29T23:29:49.546" idx="1">
     <p:pos x="10" y="10"/>
     <p:text>Where does the UML stuff live?</p:text>
+  </p:cm>
+</p:cmLst>
+</file>
+
+<file path=ppt/comments/comment2.xml><?xml version="1.0" encoding="utf-8"?>
+<p:cmLst xmlns:a="http://schemas.openxmlformats.org/drawingml/2006/main" xmlns:r="http://schemas.openxmlformats.org/officeDocument/2006/relationships" xmlns:p="http://schemas.openxmlformats.org/presentationml/2006/main">
+  <p:cm authorId="1" dt="2012-04-30T08:16:14.366" idx="1">
+    <p:pos x="4517" y="2361"/>
+    <p:text>Not sure what this means</p:text>
   </p:cm>
 </p:cmLst>
 </file>
@@ -5009,17 +5018,8 @@
           <a:p>
             <a:r>
               <a:rPr lang="en-US" sz="2800" dirty="0" smtClean="0"/>
-              <a:t>4 </a:t>
-            </a:r>
-            <a:r>
-              <a:rPr lang="en-US" sz="2800" dirty="0" smtClean="0"/>
-              <a:t>artifact files used to maintain a </a:t>
-            </a:r>
-            <a:r>
-              <a:rPr lang="en-US" sz="2800" dirty="0" smtClean="0"/>
-              <a:t>Resource definition</a:t>
-            </a:r>
-            <a:endParaRPr lang="en-US" sz="2800" dirty="0" smtClean="0"/>
+              <a:t>4 artifact files used to maintain a Resource definition</a:t>
+            </a:r>
           </a:p>
           <a:p>
             <a:pPr lvl="1"/>
@@ -5060,11 +5060,7 @@
             <a:pPr lvl="2"/>
             <a:r>
               <a:rPr lang="en-US" sz="1800" dirty="0" smtClean="0"/>
-              <a:t>Instance example of the </a:t>
-            </a:r>
-            <a:r>
-              <a:rPr lang="en-US" sz="1800" dirty="0" smtClean="0"/>
-              <a:t>resource</a:t>
+              <a:t>Instance example of the resource</a:t>
             </a:r>
           </a:p>
           <a:p>
@@ -5101,15 +5097,7 @@
           <a:p>
             <a:r>
               <a:rPr lang="en-US" sz="2800" dirty="0" smtClean="0"/>
-              <a:t>All </a:t>
-            </a:r>
-            <a:r>
-              <a:rPr lang="en-US" sz="2800" dirty="0" smtClean="0"/>
-              <a:t>files </a:t>
-            </a:r>
-            <a:r>
-              <a:rPr lang="en-US" sz="2800" dirty="0" smtClean="0"/>
-              <a:t>in </a:t>
+              <a:t>All files in </a:t>
             </a:r>
             <a:r>
               <a:rPr lang="en-US" sz="2800" dirty="0" err="1" smtClean="0"/>
@@ -5117,11 +5105,7 @@
             </a:r>
             <a:r>
               <a:rPr lang="en-US" sz="2800" dirty="0" smtClean="0"/>
-              <a:t>:</a:t>
-            </a:r>
-            <a:r>
-              <a:rPr lang="en-US" sz="2800" dirty="0" smtClean="0"/>
-              <a:t> </a:t>
+              <a:t>: </a:t>
             </a:r>
             <a:r>
               <a:rPr lang="en-CA" sz="1600" dirty="0" smtClean="0">
@@ -5187,7 +5171,9 @@
         </p:nvSpPr>
         <p:spPr/>
         <p:txBody>
-          <a:bodyPr/>
+          <a:bodyPr>
+            <a:normAutofit fontScale="90000"/>
+          </a:bodyPr>
           <a:lstStyle/>
           <a:p>
             <a:r>
@@ -5728,7 +5714,9 @@
         </p:nvSpPr>
         <p:spPr/>
         <p:txBody>
-          <a:bodyPr/>
+          <a:bodyPr>
+            <a:normAutofit fontScale="92500"/>
+          </a:bodyPr>
           <a:lstStyle/>
           <a:p>
             <a:r>
@@ -5905,13 +5893,17 @@
         <p:spPr/>
         <p:txBody>
           <a:bodyPr>
-            <a:normAutofit/>
+            <a:normAutofit fontScale="90000"/>
           </a:bodyPr>
           <a:lstStyle/>
           <a:p>
             <a:r>
               <a:rPr lang="en-US" dirty="0" smtClean="0"/>
-              <a:t>Process for creating resources</a:t>
+              <a:t>Process for </a:t>
+            </a:r>
+            <a:r>
+              <a:rPr lang="en-US" dirty="0" smtClean="0"/>
+              <a:t>creating resources</a:t>
             </a:r>
             <a:endParaRPr lang="en-CA" dirty="0"/>
           </a:p>
@@ -6121,7 +6113,15 @@
             <a:pPr lvl="1"/>
             <a:r>
               <a:rPr lang="en-US" dirty="0"/>
-              <a:t>Must pass a reasonable person test</a:t>
+              <a:t>Must pass a </a:t>
+            </a:r>
+            <a:r>
+              <a:rPr lang="en-US" dirty="0" smtClean="0"/>
+              <a:t>“reasonable person” </a:t>
+            </a:r>
+            <a:r>
+              <a:rPr lang="en-US" dirty="0"/>
+              <a:t>test</a:t>
             </a:r>
           </a:p>
           <a:p>
@@ -6397,11 +6397,7 @@
           <a:p>
             <a:r>
               <a:rPr lang="en-US" dirty="0" smtClean="0"/>
-              <a:t>Requesting a </a:t>
-            </a:r>
-            <a:r>
-              <a:rPr lang="en-US" dirty="0" smtClean="0"/>
-              <a:t>Resource</a:t>
+              <a:t>Requesting a Resource</a:t>
             </a:r>
             <a:endParaRPr lang="en-CA" dirty="0"/>
           </a:p>
@@ -6419,7 +6415,9 @@
         </p:nvSpPr>
         <p:spPr/>
         <p:txBody>
-          <a:bodyPr/>
+          <a:bodyPr>
+            <a:normAutofit fontScale="85000" lnSpcReduction="10000"/>
+          </a:bodyPr>
           <a:lstStyle/>
           <a:p>
             <a:r>
@@ -6453,7 +6451,6 @@
               <a:rPr lang="en-US" dirty="0" smtClean="0"/>
               <a:t>Membership based on contributions and commitment</a:t>
             </a:r>
-            <a:endParaRPr lang="en-US" dirty="0" smtClean="0"/>
           </a:p>
           <a:p>
             <a:pPr lvl="1"/>
@@ -6589,7 +6586,15 @@
             <a:pPr lvl="1"/>
             <a:r>
               <a:rPr lang="en-US" dirty="0" smtClean="0"/>
-              <a:t>Add committee members to </a:t>
+              <a:t>Add </a:t>
+            </a:r>
+            <a:r>
+              <a:rPr lang="en-US" dirty="0" smtClean="0"/>
+              <a:t>desired committee </a:t>
+            </a:r>
+            <a:r>
+              <a:rPr lang="en-US" dirty="0" smtClean="0"/>
+              <a:t>members to </a:t>
             </a:r>
             <a:r>
               <a:rPr lang="en-US" dirty="0" err="1" smtClean="0"/>
@@ -6672,7 +6677,7 @@
         <p:spPr/>
         <p:txBody>
           <a:bodyPr>
-            <a:normAutofit/>
+            <a:normAutofit fontScale="92500"/>
           </a:bodyPr>
           <a:lstStyle/>
           <a:p>
@@ -6837,7 +6842,9 @@
         </p:nvSpPr>
         <p:spPr/>
         <p:txBody>
-          <a:bodyPr/>
+          <a:bodyPr>
+            <a:normAutofit fontScale="92500"/>
+          </a:bodyPr>
           <a:lstStyle/>
           <a:p>
             <a:r>
@@ -6845,12 +6852,12 @@
               <a:t>All FHIR definitions, source, </a:t>
             </a:r>
             <a:r>
-              <a:rPr lang="en-AU" dirty="0" err="1" smtClean="0"/>
-              <a:t>etc</a:t>
-            </a:r>
-            <a:r>
               <a:rPr lang="en-AU" dirty="0" smtClean="0"/>
-              <a:t> are subject to version control</a:t>
+              <a:t>etc. </a:t>
+            </a:r>
+            <a:r>
+              <a:rPr lang="en-AU" dirty="0" smtClean="0"/>
+              <a:t>are subject to version control</a:t>
             </a:r>
           </a:p>
           <a:p>
@@ -6867,7 +6874,15 @@
             <a:pPr lvl="1"/>
             <a:r>
               <a:rPr lang="en-AU" dirty="0" smtClean="0"/>
-              <a:t>Committers need to ensure the build process succeeds before committing</a:t>
+              <a:t>Committers need to ensure the build process succeeds </a:t>
+            </a:r>
+            <a:r>
+              <a:rPr lang="en-AU" b="1" dirty="0" smtClean="0"/>
+              <a:t>before</a:t>
+            </a:r>
+            <a:r>
+              <a:rPr lang="en-AU" dirty="0" smtClean="0"/>
+              <a:t> committing</a:t>
             </a:r>
           </a:p>
           <a:p>
@@ -6956,7 +6971,7 @@
         <p:spPr/>
         <p:txBody>
           <a:bodyPr>
-            <a:normAutofit/>
+            <a:normAutofit fontScale="85000" lnSpcReduction="10000"/>
           </a:bodyPr>
           <a:lstStyle/>
           <a:p>
@@ -7473,10 +7488,18 @@
           <a:p>
             <a:pPr lvl="1"/>
             <a:r>
-              <a:rPr lang="en-US" dirty="0" err="1" smtClean="0"/>
+              <a:rPr lang="en-US" dirty="0" err="1" smtClean="0">
+                <a:solidFill>
+                  <a:srgbClr val="FF0000"/>
+                </a:solidFill>
+              </a:rPr>
               <a:t>Todo</a:t>
             </a:r>
-            <a:endParaRPr lang="en-US" dirty="0" smtClean="0"/>
+            <a:endParaRPr lang="en-US" dirty="0" smtClean="0">
+              <a:solidFill>
+                <a:srgbClr val="FF0000"/>
+              </a:solidFill>
+            </a:endParaRPr>
           </a:p>
           <a:p>
             <a:pPr lvl="0"/>
@@ -7569,7 +7592,7 @@
         <p:spPr/>
         <p:txBody>
           <a:bodyPr>
-            <a:normAutofit/>
+            <a:normAutofit fontScale="92500"/>
           </a:bodyPr>
           <a:lstStyle/>
           <a:p>
@@ -7713,25 +7736,13 @@
           <a:p>
             <a:r>
               <a:rPr lang="en-US" baseline="0" dirty="0" smtClean="0"/>
-              <a:t>Avoid abbreviations unless obvious to </a:t>
-            </a:r>
+              <a:t>Avoid abbreviations unless obvious to non-domain experts</a:t>
+            </a:r>
+          </a:p>
+          <a:p>
             <a:r>
               <a:rPr lang="en-US" baseline="0" dirty="0" smtClean="0"/>
-              <a:t>non-domain </a:t>
-            </a:r>
-            <a:r>
-              <a:rPr lang="en-US" baseline="0" dirty="0" smtClean="0"/>
-              <a:t>experts</a:t>
-            </a:r>
-          </a:p>
-          <a:p>
-            <a:r>
-              <a:rPr lang="en-US" baseline="0" dirty="0" smtClean="0"/>
-              <a:t>Are </a:t>
-            </a:r>
-            <a:r>
-              <a:rPr lang="en-US" baseline="0" dirty="0" smtClean="0"/>
-              <a:t>consistent with other resources (where this doesn’t impact domain-friendliness)</a:t>
+              <a:t>Are consistent with other resources (where this doesn’t impact domain-friendliness)</a:t>
             </a:r>
           </a:p>
         </p:txBody>
@@ -7812,15 +7823,7 @@
           <a:p>
             <a:r>
               <a:rPr lang="en-US" dirty="0" smtClean="0"/>
-              <a:t>Elements should only be </a:t>
-            </a:r>
-            <a:r>
-              <a:rPr lang="en-US" dirty="0" smtClean="0"/>
-              <a:t>“mandatory” </a:t>
-            </a:r>
-            <a:r>
-              <a:rPr lang="en-US" dirty="0" smtClean="0"/>
-              <a:t>if the resource would be unusable without the data element present</a:t>
+              <a:t>Elements should only be “mandatory” if the resource would be unusable without the data element present</a:t>
             </a:r>
           </a:p>
         </p:txBody>
@@ -8024,28 +8027,18 @@
           <a:p>
             <a:r>
               <a:rPr lang="en-US" b="0" baseline="0" dirty="0" smtClean="0"/>
-              <a:t>Should not include rationale or usage </a:t>
-            </a:r>
+              <a:t>Should not include rationale or usage notes (other slots for these)</a:t>
+            </a:r>
+          </a:p>
+          <a:p>
             <a:r>
               <a:rPr lang="en-US" b="0" baseline="0" dirty="0" smtClean="0"/>
-              <a:t>notes (other slots for these)</a:t>
-            </a:r>
-            <a:endParaRPr lang="en-US" b="0" baseline="0" dirty="0" smtClean="0"/>
-          </a:p>
-          <a:p>
-            <a:r>
-              <a:rPr lang="en-US" b="0" baseline="0" dirty="0" smtClean="0"/>
-              <a:t>Should be accompanied by 3+ </a:t>
-            </a:r>
-            <a:r>
-              <a:rPr lang="en-US" b="0" baseline="0" dirty="0" smtClean="0"/>
-              <a:t>examples </a:t>
+              <a:t>Should be accompanied by 3+ examples </a:t>
             </a:r>
             <a:r>
               <a:rPr lang="en-US" b="0" i="1" baseline="0" dirty="0" smtClean="0"/>
               <a:t>(Lloyd has a dream!)</a:t>
             </a:r>
-            <a:endParaRPr lang="en-US" b="0" i="1" baseline="0" dirty="0" smtClean="0"/>
           </a:p>
         </p:txBody>
       </p:sp>
@@ -8482,7 +8475,6 @@
               <a:rPr lang="en-US" dirty="0" smtClean="0"/>
               <a:t>RIMBAA: - Architecture of resources, example implementations  Thurs Q1</a:t>
             </a:r>
-            <a:endParaRPr lang="en-US" dirty="0" smtClean="0"/>
           </a:p>
           <a:p>
             <a:pPr lvl="1"/>
@@ -9130,7 +9122,7 @@
         <p:spPr/>
         <p:txBody>
           <a:bodyPr>
-            <a:normAutofit/>
+            <a:normAutofit fontScale="90000"/>
           </a:bodyPr>
           <a:lstStyle/>
           <a:p>

--- a/presentations/2012-May WGM Tutorials/201205 WGM Building with FHIR.pptx
+++ b/presentations/2012-May WGM Tutorials/201205 WGM Building with FHIR.pptx
@@ -256,7 +256,7 @@
             <a:fld id="{5FA7A704-9F1C-4FD3-85D1-57AF2D7FD0E8}" type="datetimeFigureOut">
               <a:rPr lang="en-US" smtClean="0"/>
               <a:pPr/>
-              <a:t>4/30/2012</a:t>
+              <a:t>5/13/2012</a:t>
             </a:fld>
             <a:endParaRPr lang="en-US" dirty="0"/>
           </a:p>
@@ -662,7 +662,7 @@
             <a:fld id="{D80A4771-C6EF-4B99-81F4-D30BE4E017A0}" type="datetimeFigureOut">
               <a:rPr lang="en-US" smtClean="0"/>
               <a:pPr/>
-              <a:t>4/30/2012</a:t>
+              <a:t>5/13/2012</a:t>
             </a:fld>
             <a:endParaRPr lang="en-US"/>
           </a:p>
@@ -977,7 +977,7 @@
             <a:fld id="{D80A4771-C6EF-4B99-81F4-D30BE4E017A0}" type="datetimeFigureOut">
               <a:rPr lang="en-US" smtClean="0"/>
               <a:pPr/>
-              <a:t>4/30/2012</a:t>
+              <a:t>5/13/2012</a:t>
             </a:fld>
             <a:endParaRPr lang="en-US"/>
           </a:p>
@@ -1164,7 +1164,7 @@
             <a:fld id="{D80A4771-C6EF-4B99-81F4-D30BE4E017A0}" type="datetimeFigureOut">
               <a:rPr lang="en-US" smtClean="0"/>
               <a:pPr/>
-              <a:t>4/30/2012</a:t>
+              <a:t>5/13/2012</a:t>
             </a:fld>
             <a:endParaRPr lang="en-US"/>
           </a:p>
@@ -1362,7 +1362,7 @@
             <a:fld id="{D80A4771-C6EF-4B99-81F4-D30BE4E017A0}" type="datetimeFigureOut">
               <a:rPr lang="en-US" smtClean="0"/>
               <a:pPr/>
-              <a:t>4/30/2012</a:t>
+              <a:t>5/13/2012</a:t>
             </a:fld>
             <a:endParaRPr lang="en-US"/>
           </a:p>
@@ -1642,7 +1642,7 @@
             <a:fld id="{D80A4771-C6EF-4B99-81F4-D30BE4E017A0}" type="datetimeFigureOut">
               <a:rPr lang="en-US" smtClean="0"/>
               <a:pPr/>
-              <a:t>4/30/2012</a:t>
+              <a:t>5/13/2012</a:t>
             </a:fld>
             <a:endParaRPr lang="en-US"/>
           </a:p>
@@ -2178,7 +2178,7 @@
             <a:fld id="{D80A4771-C6EF-4B99-81F4-D30BE4E017A0}" type="datetimeFigureOut">
               <a:rPr lang="en-US" smtClean="0"/>
               <a:pPr/>
-              <a:t>4/30/2012</a:t>
+              <a:t>5/13/2012</a:t>
             </a:fld>
             <a:endParaRPr lang="en-US"/>
           </a:p>
@@ -2817,7 +2817,7 @@
             <a:fld id="{D80A4771-C6EF-4B99-81F4-D30BE4E017A0}" type="datetimeFigureOut">
               <a:rPr lang="en-US" smtClean="0"/>
               <a:pPr/>
-              <a:t>4/30/2012</a:t>
+              <a:t>5/13/2012</a:t>
             </a:fld>
             <a:endParaRPr lang="en-US"/>
           </a:p>
@@ -2945,7 +2945,7 @@
             <a:fld id="{D80A4771-C6EF-4B99-81F4-D30BE4E017A0}" type="datetimeFigureOut">
               <a:rPr lang="en-US" smtClean="0"/>
               <a:pPr/>
-              <a:t>4/30/2012</a:t>
+              <a:t>5/13/2012</a:t>
             </a:fld>
             <a:endParaRPr lang="en-US"/>
           </a:p>
@@ -3091,7 +3091,7 @@
             <a:fld id="{D80A4771-C6EF-4B99-81F4-D30BE4E017A0}" type="datetimeFigureOut">
               <a:rPr lang="en-US" smtClean="0"/>
               <a:pPr/>
-              <a:t>4/30/2012</a:t>
+              <a:t>5/13/2012</a:t>
             </a:fld>
             <a:endParaRPr lang="en-US"/>
           </a:p>
@@ -3438,7 +3438,7 @@
             <a:fld id="{D80A4771-C6EF-4B99-81F4-D30BE4E017A0}" type="datetimeFigureOut">
               <a:rPr lang="en-US" smtClean="0"/>
               <a:pPr/>
-              <a:t>4/30/2012</a:t>
+              <a:t>5/13/2012</a:t>
             </a:fld>
             <a:endParaRPr lang="en-US"/>
           </a:p>
@@ -3536,7 +3536,7 @@
             <a:fld id="{D80A4771-C6EF-4B99-81F4-D30BE4E017A0}" type="datetimeFigureOut">
               <a:rPr lang="en-US" smtClean="0"/>
               <a:pPr/>
-              <a:t>4/30/2012</a:t>
+              <a:t>5/13/2012</a:t>
             </a:fld>
             <a:endParaRPr lang="en-US"/>
           </a:p>
@@ -3962,7 +3962,7 @@
             <a:fld id="{D80A4771-C6EF-4B99-81F4-D30BE4E017A0}" type="datetimeFigureOut">
               <a:rPr lang="en-US" smtClean="0"/>
               <a:pPr algn="r"/>
-              <a:t>4/30/2012</a:t>
+              <a:t>5/13/2012</a:t>
             </a:fld>
             <a:endParaRPr lang="en-US" sz="1200">
               <a:solidFill>
@@ -5899,11 +5899,7 @@
           <a:p>
             <a:r>
               <a:rPr lang="en-US" dirty="0" smtClean="0"/>
-              <a:t>Process for </a:t>
-            </a:r>
-            <a:r>
-              <a:rPr lang="en-US" dirty="0" smtClean="0"/>
-              <a:t>creating resources</a:t>
+              <a:t>Process for creating resources</a:t>
             </a:r>
             <a:endParaRPr lang="en-CA" dirty="0"/>
           </a:p>
@@ -6586,15 +6582,7 @@
             <a:pPr lvl="1"/>
             <a:r>
               <a:rPr lang="en-US" dirty="0" smtClean="0"/>
-              <a:t>Add </a:t>
-            </a:r>
-            <a:r>
-              <a:rPr lang="en-US" dirty="0" smtClean="0"/>
-              <a:t>desired committee </a:t>
-            </a:r>
-            <a:r>
-              <a:rPr lang="en-US" dirty="0" smtClean="0"/>
-              <a:t>members to </a:t>
+              <a:t>Add desired committee members to </a:t>
             </a:r>
             <a:r>
               <a:rPr lang="en-US" dirty="0" err="1" smtClean="0"/>
@@ -6849,15 +6837,7 @@
           <a:p>
             <a:r>
               <a:rPr lang="en-AU" dirty="0" smtClean="0"/>
-              <a:t>All FHIR definitions, source, </a:t>
-            </a:r>
-            <a:r>
-              <a:rPr lang="en-AU" dirty="0" smtClean="0"/>
-              <a:t>etc. </a:t>
-            </a:r>
-            <a:r>
-              <a:rPr lang="en-AU" dirty="0" smtClean="0"/>
-              <a:t>are subject to version control</a:t>
+              <a:t>All FHIR definitions, source, etc. are subject to version control</a:t>
             </a:r>
           </a:p>
           <a:p>
@@ -7460,65 +7440,57 @@
           <a:lstStyle/>
           <a:p>
             <a:r>
-              <a:rPr lang="en-US" dirty="0" smtClean="0"/>
+              <a:rPr lang="en-US" sz="2400" dirty="0"/>
               <a:t>Grahame Grieve</a:t>
             </a:r>
           </a:p>
           <a:p>
             <a:pPr lvl="1"/>
             <a:r>
-              <a:rPr lang="en-US" b="0" dirty="0" smtClean="0"/>
-              <a:t>Australian, Health Interoperability – v2, v3, CDA, etc. Tools, Products, Specifications, Governance… </a:t>
-            </a:r>
-            <a:br>
-              <a:rPr lang="en-US" b="0" dirty="0" smtClean="0"/>
-            </a:br>
-            <a:r>
-              <a:rPr lang="en-US" b="0" dirty="0" smtClean="0"/>
-              <a:t>http://www.healthintersections.com.au</a:t>
+              <a:rPr lang="en-US" sz="2000" dirty="0"/>
+              <a:t>Australian, health interoperability – v2, v3, CDA, etc. tools, products, specifications, governance… http://www.healthintersections.com.au</a:t>
             </a:r>
           </a:p>
           <a:p>
             <a:pPr lvl="0"/>
             <a:r>
-              <a:rPr lang="en-US" dirty="0" smtClean="0"/>
+              <a:rPr lang="en-US" sz="2400" dirty="0"/>
               <a:t>Ewout Kramer</a:t>
             </a:r>
           </a:p>
           <a:p>
             <a:pPr lvl="1"/>
             <a:r>
-              <a:rPr lang="en-US" dirty="0" err="1" smtClean="0">
-                <a:solidFill>
-                  <a:srgbClr val="FF0000"/>
-                </a:solidFill>
-              </a:rPr>
-              <a:t>Todo</a:t>
-            </a:r>
-            <a:endParaRPr lang="en-US" dirty="0" smtClean="0">
-              <a:solidFill>
-                <a:srgbClr val="FF0000"/>
-              </a:solidFill>
-            </a:endParaRPr>
+              <a:rPr lang="en-CA" sz="2000" dirty="0"/>
+              <a:t>Chief architect &amp; Manager R&amp;D Furore</a:t>
+            </a:r>
+          </a:p>
+          <a:p>
+            <a:pPr lvl="1"/>
+            <a:r>
+              <a:rPr lang="en-CA" sz="2000" dirty="0"/>
+              <a:t>Dutch, architect in healthcare, messaging, data modeling, software development   http://www.furore.com</a:t>
+            </a:r>
+            <a:endParaRPr lang="en-US" sz="2000" dirty="0"/>
           </a:p>
           <a:p>
             <a:pPr lvl="0"/>
             <a:r>
-              <a:rPr lang="en-US" dirty="0" smtClean="0"/>
+              <a:rPr lang="en-US" sz="2400" dirty="0"/>
               <a:t>Lloyd McKenzie</a:t>
             </a:r>
           </a:p>
           <a:p>
             <a:pPr lvl="1"/>
             <a:r>
-              <a:rPr lang="en-US" dirty="0" smtClean="0"/>
-              <a:t>Canadian, data modeling, terminology, tooling, conformance, etc.</a:t>
+              <a:rPr lang="en-US" sz="2000" dirty="0"/>
+              <a:t>Canadian, data modeling, terminology, tooling, conformance</a:t>
             </a:r>
           </a:p>
           <a:p>
             <a:pPr lvl="1"/>
             <a:r>
-              <a:rPr lang="en-US" dirty="0" smtClean="0"/>
+              <a:rPr lang="en-US" sz="2000" dirty="0"/>
               <a:t>http://www.gordonpointinformatics.com</a:t>
             </a:r>
           </a:p>
@@ -8862,15 +8834,27 @@
         <p:spPr/>
         <p:txBody>
           <a:bodyPr>
-            <a:normAutofit/>
+            <a:normAutofit fontScale="92500"/>
           </a:bodyPr>
           <a:lstStyle/>
           <a:p>
             <a:pPr lvl="0"/>
             <a:r>
               <a:rPr lang="en-US" dirty="0" smtClean="0"/>
-              <a:t>Essentially HL7 v4</a:t>
-            </a:r>
+              <a:t>Essentially HL7 </a:t>
+            </a:r>
+            <a:r>
+              <a:rPr lang="en-US" dirty="0" smtClean="0"/>
+              <a:t>v4</a:t>
+            </a:r>
+          </a:p>
+          <a:p>
+            <a:pPr lvl="0"/>
+            <a:r>
+              <a:rPr lang="en-US" dirty="0" smtClean="0"/>
+              <a:t>Pronounced “FIRE”</a:t>
+            </a:r>
+            <a:endParaRPr lang="en-US" dirty="0" smtClean="0"/>
           </a:p>
           <a:p>
             <a:pPr lvl="0"/>

--- a/presentations/2012-May WGM Tutorials/201205 WGM Building with FHIR.pptx
+++ b/presentations/2012-May WGM Tutorials/201205 WGM Building with FHIR.pptx
@@ -5,7 +5,7 @@
     <p:sldMasterId id="2147483744" r:id="rId2"/>
   </p:sldMasterIdLst>
   <p:notesMasterIdLst>
-    <p:notesMasterId r:id="rId43"/>
+    <p:notesMasterId r:id="rId46"/>
   </p:notesMasterIdLst>
   <p:sldIdLst>
     <p:sldId id="270" r:id="rId3"/>
@@ -48,6 +48,9 @@
     <p:sldId id="303" r:id="rId40"/>
     <p:sldId id="302" r:id="rId41"/>
     <p:sldId id="301" r:id="rId42"/>
+    <p:sldId id="326" r:id="rId43"/>
+    <p:sldId id="327" r:id="rId44"/>
+    <p:sldId id="328" r:id="rId45"/>
   </p:sldIdLst>
   <p:sldSz cx="9144000" cy="6858000" type="screen4x3"/>
   <p:notesSz cx="6858000" cy="9144000"/>
@@ -8728,6 +8731,279 @@
 </p:sld>
 </file>
 
+<file path=ppt/slides/slide41.xml><?xml version="1.0" encoding="utf-8"?>
+<p:sld xmlns:a="http://schemas.openxmlformats.org/drawingml/2006/main" xmlns:r="http://schemas.openxmlformats.org/officeDocument/2006/relationships" xmlns:p="http://schemas.openxmlformats.org/presentationml/2006/main">
+  <p:cSld>
+    <p:spTree>
+      <p:nvGrpSpPr>
+        <p:cNvPr id="1" name=""/>
+        <p:cNvGrpSpPr/>
+        <p:nvPr/>
+      </p:nvGrpSpPr>
+      <p:grpSpPr>
+        <a:xfrm>
+          <a:off x="0" y="0"/>
+          <a:ext cx="0" cy="0"/>
+          <a:chOff x="0" y="0"/>
+          <a:chExt cx="0" cy="0"/>
+        </a:xfrm>
+      </p:grpSpPr>
+      <p:sp>
+        <p:nvSpPr>
+          <p:cNvPr id="5" name="Title 4"/>
+          <p:cNvSpPr>
+            <a:spLocks noGrp="1"/>
+          </p:cNvSpPr>
+          <p:nvPr>
+            <p:ph type="title"/>
+          </p:nvPr>
+        </p:nvSpPr>
+        <p:spPr/>
+        <p:txBody>
+          <a:bodyPr/>
+          <a:lstStyle/>
+          <a:p>
+            <a:r>
+              <a:rPr lang="en-US" dirty="0" smtClean="0"/>
+              <a:t>Questions &amp; Answers</a:t>
+            </a:r>
+            <a:endParaRPr lang="en-CA" dirty="0"/>
+          </a:p>
+        </p:txBody>
+      </p:sp>
+    </p:spTree>
+    <p:extLst>
+      <p:ext uri="{BB962C8B-B14F-4D97-AF65-F5344CB8AC3E}">
+        <p14:creationId xmlns:p14="http://schemas.microsoft.com/office/powerpoint/2010/main" val="79069440"/>
+      </p:ext>
+    </p:extLst>
+  </p:cSld>
+  <p:clrMapOvr>
+    <a:masterClrMapping/>
+  </p:clrMapOvr>
+  <p:timing>
+    <p:tnLst>
+      <p:par>
+        <p:cTn id="1" dur="indefinite" restart="never" nodeType="tmRoot"/>
+      </p:par>
+    </p:tnLst>
+  </p:timing>
+</p:sld>
+</file>
+
+<file path=ppt/slides/slide42.xml><?xml version="1.0" encoding="utf-8"?>
+<p:sld xmlns:a="http://schemas.openxmlformats.org/drawingml/2006/main" xmlns:r="http://schemas.openxmlformats.org/officeDocument/2006/relationships" xmlns:p="http://schemas.openxmlformats.org/presentationml/2006/main">
+  <p:cSld>
+    <p:spTree>
+      <p:nvGrpSpPr>
+        <p:cNvPr id="1" name=""/>
+        <p:cNvGrpSpPr/>
+        <p:nvPr/>
+      </p:nvGrpSpPr>
+      <p:grpSpPr>
+        <a:xfrm>
+          <a:off x="0" y="0"/>
+          <a:ext cx="0" cy="0"/>
+          <a:chOff x="0" y="0"/>
+          <a:chExt cx="0" cy="0"/>
+        </a:xfrm>
+      </p:grpSpPr>
+      <p:sp>
+        <p:nvSpPr>
+          <p:cNvPr id="2" name="Title 1"/>
+          <p:cNvSpPr>
+            <a:spLocks noGrp="1"/>
+          </p:cNvSpPr>
+          <p:nvPr>
+            <p:ph type="title"/>
+          </p:nvPr>
+        </p:nvSpPr>
+        <p:spPr/>
+        <p:txBody>
+          <a:bodyPr/>
+          <a:lstStyle/>
+          <a:p>
+            <a:r>
+              <a:rPr lang="en-US" dirty="0" smtClean="0"/>
+              <a:t>Q&amp;A</a:t>
+            </a:r>
+            <a:endParaRPr lang="en-CA" dirty="0"/>
+          </a:p>
+        </p:txBody>
+      </p:sp>
+      <p:sp>
+        <p:nvSpPr>
+          <p:cNvPr id="3" name="Text Placeholder 2"/>
+          <p:cNvSpPr>
+            <a:spLocks noGrp="1"/>
+          </p:cNvSpPr>
+          <p:nvPr>
+            <p:ph idx="1"/>
+          </p:nvPr>
+        </p:nvSpPr>
+        <p:spPr/>
+        <p:txBody>
+          <a:bodyPr/>
+          <a:lstStyle/>
+          <a:p>
+            <a:r>
+              <a:rPr lang="en-US" dirty="0" smtClean="0"/>
+              <a:t>The</a:t>
+            </a:r>
+            <a:r>
+              <a:rPr lang="en-US" baseline="0" dirty="0" smtClean="0"/>
+              <a:t> following slides were not part of the tutorial presentation, but summarize questions asked during or following the presentation.</a:t>
+            </a:r>
+          </a:p>
+          <a:p>
+            <a:pPr lvl="1"/>
+            <a:r>
+              <a:rPr lang="en-US" dirty="0" smtClean="0"/>
+              <a:t>Note: Some comments were applied directly as updates to slides</a:t>
+            </a:r>
+            <a:r>
+              <a:rPr lang="en-US" baseline="0" dirty="0" smtClean="0"/>
+              <a:t> rather than included in this section</a:t>
+            </a:r>
+            <a:endParaRPr lang="en-CA" dirty="0"/>
+          </a:p>
+        </p:txBody>
+      </p:sp>
+    </p:spTree>
+    <p:extLst>
+      <p:ext uri="{BB962C8B-B14F-4D97-AF65-F5344CB8AC3E}">
+        <p14:creationId xmlns:p14="http://schemas.microsoft.com/office/powerpoint/2010/main" val="4047790814"/>
+      </p:ext>
+    </p:extLst>
+  </p:cSld>
+  <p:clrMapOvr>
+    <a:masterClrMapping/>
+  </p:clrMapOvr>
+</p:sld>
+</file>
+
+<file path=ppt/slides/slide43.xml><?xml version="1.0" encoding="utf-8"?>
+<p:sld xmlns:a="http://schemas.openxmlformats.org/drawingml/2006/main" xmlns:r="http://schemas.openxmlformats.org/officeDocument/2006/relationships" xmlns:p="http://schemas.openxmlformats.org/presentationml/2006/main">
+  <p:cSld>
+    <p:spTree>
+      <p:nvGrpSpPr>
+        <p:cNvPr id="1" name=""/>
+        <p:cNvGrpSpPr/>
+        <p:nvPr/>
+      </p:nvGrpSpPr>
+      <p:grpSpPr>
+        <a:xfrm>
+          <a:off x="0" y="0"/>
+          <a:ext cx="0" cy="0"/>
+          <a:chOff x="0" y="0"/>
+          <a:chExt cx="0" cy="0"/>
+        </a:xfrm>
+      </p:grpSpPr>
+      <p:sp>
+        <p:nvSpPr>
+          <p:cNvPr id="2" name="Title 1"/>
+          <p:cNvSpPr>
+            <a:spLocks noGrp="1"/>
+          </p:cNvSpPr>
+          <p:nvPr>
+            <p:ph type="title"/>
+          </p:nvPr>
+        </p:nvSpPr>
+        <p:spPr/>
+        <p:txBody>
+          <a:bodyPr/>
+          <a:lstStyle/>
+          <a:p>
+            <a:r>
+              <a:rPr lang="en-US" dirty="0" smtClean="0"/>
+              <a:t>Q&amp;A</a:t>
+            </a:r>
+            <a:endParaRPr lang="en-CA" dirty="0"/>
+          </a:p>
+        </p:txBody>
+      </p:sp>
+      <p:sp>
+        <p:nvSpPr>
+          <p:cNvPr id="3" name="Content Placeholder 2"/>
+          <p:cNvSpPr>
+            <a:spLocks noGrp="1"/>
+          </p:cNvSpPr>
+          <p:nvPr>
+            <p:ph idx="1"/>
+          </p:nvPr>
+        </p:nvSpPr>
+        <p:spPr/>
+        <p:txBody>
+          <a:bodyPr>
+            <a:normAutofit fontScale="77500" lnSpcReduction="20000"/>
+          </a:bodyPr>
+          <a:lstStyle/>
+          <a:p>
+            <a:r>
+              <a:rPr lang="en-US" dirty="0" smtClean="0"/>
+              <a:t>Is a resource definition a resource?</a:t>
+            </a:r>
+          </a:p>
+          <a:p>
+            <a:pPr lvl="1"/>
+            <a:r>
+              <a:rPr lang="en-US" dirty="0" smtClean="0"/>
+              <a:t>It could be.  Will consider this</a:t>
+            </a:r>
+          </a:p>
+          <a:p>
+            <a:r>
+              <a:rPr lang="en-US" dirty="0" smtClean="0"/>
+              <a:t>Why do we require ‘id’, ‘extensions’ and ‘text’ columns in the definition.  Why not add them automatically during build?</a:t>
+            </a:r>
+          </a:p>
+          <a:p>
+            <a:pPr lvl="1"/>
+            <a:r>
+              <a:rPr lang="en-US" dirty="0" smtClean="0"/>
+              <a:t>Want to allow committees to provide contextual information if appropriate</a:t>
+            </a:r>
+          </a:p>
+          <a:p>
+            <a:r>
+              <a:rPr lang="en-US" dirty="0" smtClean="0"/>
+              <a:t>What does “Must Understand” mean?</a:t>
+            </a:r>
+          </a:p>
+          <a:p>
+            <a:pPr lvl="1"/>
+            <a:r>
+              <a:rPr lang="en-US" dirty="0" smtClean="0"/>
+              <a:t>Can’t ignore the element without full understanding of the element and how it impacts other semantics.</a:t>
+            </a:r>
+          </a:p>
+          <a:p>
+            <a:pPr lvl="1"/>
+            <a:r>
+              <a:rPr lang="en-US" dirty="0" smtClean="0"/>
+              <a:t>Will provide </a:t>
+            </a:r>
+            <a:r>
+              <a:rPr lang="en-US" smtClean="0"/>
+              <a:t>better description</a:t>
+            </a:r>
+            <a:endParaRPr lang="en-CA" dirty="0"/>
+          </a:p>
+        </p:txBody>
+      </p:sp>
+    </p:spTree>
+    <p:extLst>
+      <p:ext uri="{BB962C8B-B14F-4D97-AF65-F5344CB8AC3E}">
+        <p14:creationId xmlns:p14="http://schemas.microsoft.com/office/powerpoint/2010/main" val="318220665"/>
+      </p:ext>
+    </p:extLst>
+  </p:cSld>
+  <p:clrMapOvr>
+    <a:masterClrMapping/>
+  </p:clrMapOvr>
+</p:sld>
+</file>
+
 <file path=ppt/slides/slide5.xml><?xml version="1.0" encoding="utf-8"?>
 <p:sld xmlns:a="http://schemas.openxmlformats.org/drawingml/2006/main" xmlns:r="http://schemas.openxmlformats.org/officeDocument/2006/relationships" xmlns:p="http://schemas.openxmlformats.org/presentationml/2006/main">
   <p:cSld>
@@ -8841,11 +9117,7 @@
             <a:pPr lvl="0"/>
             <a:r>
               <a:rPr lang="en-US" dirty="0" smtClean="0"/>
-              <a:t>Essentially HL7 </a:t>
-            </a:r>
-            <a:r>
-              <a:rPr lang="en-US" dirty="0" smtClean="0"/>
-              <a:t>v4</a:t>
+              <a:t>Essentially HL7 v4</a:t>
             </a:r>
           </a:p>
           <a:p>
@@ -8854,7 +9126,6 @@
               <a:rPr lang="en-US" dirty="0" smtClean="0"/>
               <a:t>Pronounced “FIRE”</a:t>
             </a:r>
-            <a:endParaRPr lang="en-US" dirty="0" smtClean="0"/>
           </a:p>
           <a:p>
             <a:pPr lvl="0"/>
